--- a/TemplateExample - white.pptx
+++ b/TemplateExample - white.pptx
@@ -7,7 +7,7 @@
     <p:sldMasterId id="2147483674" r:id="rId3"/>
   </p:sldMasterIdLst>
   <p:notesMasterIdLst>
-    <p:notesMasterId r:id="rId14"/>
+    <p:notesMasterId r:id="rId17"/>
   </p:notesMasterIdLst>
   <p:sldIdLst>
     <p:sldId id="256" r:id="rId4"/>
@@ -15,49 +15,52 @@
     <p:sldId id="258" r:id="rId6"/>
     <p:sldId id="259" r:id="rId7"/>
     <p:sldId id="260" r:id="rId8"/>
-    <p:sldId id="261" r:id="rId9"/>
-    <p:sldId id="262" r:id="rId10"/>
-    <p:sldId id="263" r:id="rId11"/>
-    <p:sldId id="264" r:id="rId12"/>
-    <p:sldId id="265" r:id="rId13"/>
+    <p:sldId id="262" r:id="rId9"/>
+    <p:sldId id="263" r:id="rId10"/>
+    <p:sldId id="264" r:id="rId11"/>
+    <p:sldId id="261" r:id="rId12"/>
+    <p:sldId id="266" r:id="rId13"/>
+    <p:sldId id="267" r:id="rId14"/>
+    <p:sldId id="268" r:id="rId15"/>
+    <p:sldId id="265" r:id="rId16"/>
   </p:sldIdLst>
   <p:sldSz cx="9144000" cy="5143500" type="screen16x9"/>
   <p:notesSz cx="6858000" cy="9144000"/>
   <p:embeddedFontLst>
     <p:embeddedFont>
       <p:font typeface="Calibri" panose="020F0502020204030204" pitchFamily="34" charset="0"/>
-      <p:regular r:id="rId15"/>
-      <p:bold r:id="rId16"/>
-      <p:italic r:id="rId17"/>
-      <p:boldItalic r:id="rId18"/>
+      <p:regular r:id="rId18"/>
+      <p:bold r:id="rId19"/>
+      <p:italic r:id="rId20"/>
+      <p:boldItalic r:id="rId21"/>
     </p:embeddedFont>
     <p:embeddedFont>
       <p:font typeface="Georgia" panose="02040502050405020303" pitchFamily="18" charset="0"/>
-      <p:regular r:id="rId19"/>
-      <p:bold r:id="rId20"/>
-      <p:italic r:id="rId21"/>
-      <p:boldItalic r:id="rId22"/>
+      <p:regular r:id="rId22"/>
+      <p:bold r:id="rId23"/>
+      <p:italic r:id="rId24"/>
+      <p:boldItalic r:id="rId25"/>
     </p:embeddedFont>
     <p:embeddedFont>
       <p:font typeface="Helvetica Neue Light" panose="020B0604020202020204" charset="0"/>
-      <p:regular r:id="rId23"/>
-      <p:bold r:id="rId24"/>
-      <p:italic r:id="rId25"/>
-      <p:boldItalic r:id="rId26"/>
+      <p:regular r:id="rId26"/>
+      <p:bold r:id="rId27"/>
+      <p:italic r:id="rId28"/>
+      <p:boldItalic r:id="rId29"/>
     </p:embeddedFont>
     <p:embeddedFont>
       <p:font typeface="Montserrat" panose="020B0604020202020204" charset="0"/>
-      <p:regular r:id="rId27"/>
-      <p:bold r:id="rId28"/>
-      <p:italic r:id="rId29"/>
-      <p:boldItalic r:id="rId30"/>
+      <p:regular r:id="rId30"/>
+      <p:bold r:id="rId31"/>
+      <p:italic r:id="rId32"/>
+      <p:boldItalic r:id="rId33"/>
     </p:embeddedFont>
     <p:embeddedFont>
       <p:font typeface="Verdana" panose="020B0604030504040204" pitchFamily="34" charset="0"/>
-      <p:regular r:id="rId31"/>
-      <p:bold r:id="rId32"/>
-      <p:italic r:id="rId33"/>
-      <p:boldItalic r:id="rId34"/>
+      <p:regular r:id="rId34"/>
+      <p:bold r:id="rId35"/>
+      <p:italic r:id="rId36"/>
+      <p:boldItalic r:id="rId37"/>
     </p:embeddedFont>
   </p:embeddedFontLst>
   <p:defaultTextStyle>
@@ -305,7 +308,7 @@
       </p15:sldGuideLst>
     </p:ext>
     <p:ext uri="http://customooxmlschemas.google.com/">
-      <go:slidesCustomData xmlns="" xmlns:mc="http://schemas.openxmlformats.org/markup-compatibility/2006" xmlns:mv="urn:schemas-microsoft-com:mac:vml" xmlns:c="http://schemas.openxmlformats.org/drawingml/2006/chart" xmlns:dgm="http://schemas.openxmlformats.org/drawingml/2006/diagram" xmlns:o="urn:schemas-microsoft-com:office:office" xmlns:v="urn:schemas-microsoft-com:vml" xmlns:pvml="urn:schemas-microsoft-com:office:powerpoint" xmlns:com="http://schemas.openxmlformats.org/drawingml/2006/compatibility" xmlns:p14="http://schemas.microsoft.com/office/powerpoint/2010/main" xmlns:p15="http://schemas.microsoft.com/office/powerpoint/2012/main" xmlns:ahyp="http://schemas.microsoft.com/office/drawing/2018/hyperlinkcolor" xmlns:go="http://customooxmlschemas.google.com/" r:id="rId35" roundtripDataSignature="AMtx7mjQn1965wDl3YKCEYGCNdJt3qlr9g=="/>
+      <go:slidesCustomData xmlns:go="http://customooxmlschemas.google.com/" xmlns:ahyp="http://schemas.microsoft.com/office/drawing/2018/hyperlinkcolor" xmlns:p15="http://schemas.microsoft.com/office/powerpoint/2012/main" xmlns:p14="http://schemas.microsoft.com/office/powerpoint/2010/main" xmlns:com="http://schemas.openxmlformats.org/drawingml/2006/compatibility" xmlns:pvml="urn:schemas-microsoft-com:office:powerpoint" xmlns:v="urn:schemas-microsoft-com:vml" xmlns:o="urn:schemas-microsoft-com:office:office" xmlns:dgm="http://schemas.openxmlformats.org/drawingml/2006/diagram" xmlns:c="http://schemas.openxmlformats.org/drawingml/2006/chart" xmlns:mv="urn:schemas-microsoft-com:mac:vml" xmlns:mc="http://schemas.openxmlformats.org/markup-compatibility/2006" xmlns="" r:id="rId38" roundtripDataSignature="AMtx7mjQn1965wDl3YKCEYGCNdJt3qlr9g=="/>
     </p:ext>
   </p:extLst>
 </p:presentation>
@@ -315,7 +318,8 @@
 <p1510:revInfo xmlns:a="http://schemas.openxmlformats.org/drawingml/2006/main" xmlns:r="http://schemas.openxmlformats.org/officeDocument/2006/relationships" xmlns:p1510="http://schemas.microsoft.com/office/powerpoint/2015/10/main">
   <p1510:revLst>
     <p1510:client id="{899D64C6-CB23-4F4F-B5CB-523D54A3FC14}" v="1659" dt="2021-07-06T19:10:35.696"/>
-    <p1510:client id="{971F573F-47D3-4797-87AA-B02468A35A37}" v="4" dt="2021-07-06T19:44:05.498"/>
+    <p1510:client id="{971F573F-47D3-4797-87AA-B02468A35A37}" v="550" dt="2021-07-06T20:00:34.241"/>
+    <p1510:client id="{F76FDB00-0C91-4BF7-83D6-084516CB817A}" v="2703" dt="2021-07-08T19:14:53.612"/>
   </p1510:revLst>
 </p1510:revInfo>
 </file>
@@ -1684,140 +1688,6 @@
   <p:cSld>
     <p:spTree>
       <p:nvGrpSpPr>
-        <p:cNvPr id="1" name="Shape 230"/>
-        <p:cNvGrpSpPr/>
-        <p:nvPr/>
-      </p:nvGrpSpPr>
-      <p:grpSpPr>
-        <a:xfrm>
-          <a:off x="0" y="0"/>
-          <a:ext cx="0" cy="0"/>
-          <a:chOff x="0" y="0"/>
-          <a:chExt cx="0" cy="0"/>
-        </a:xfrm>
-      </p:grpSpPr>
-      <p:sp>
-        <p:nvSpPr>
-          <p:cNvPr id="231" name="Google Shape;231;ge150f9a8ea_0_14:notes"/>
-          <p:cNvSpPr>
-            <a:spLocks noGrp="1" noRot="1" noChangeAspect="1"/>
-          </p:cNvSpPr>
-          <p:nvPr>
-            <p:ph type="sldImg" idx="2"/>
-          </p:nvPr>
-        </p:nvSpPr>
-        <p:spPr>
-          <a:xfrm>
-            <a:off x="381000" y="685800"/>
-            <a:ext cx="6096000" cy="3429000"/>
-          </a:xfrm>
-          <a:custGeom>
-            <a:avLst/>
-            <a:gdLst/>
-            <a:ahLst/>
-            <a:cxnLst/>
-            <a:rect l="l" t="t" r="r" b="b"/>
-            <a:pathLst>
-              <a:path w="120000" h="120000" extrusionOk="0">
-                <a:moveTo>
-                  <a:pt x="0" y="0"/>
-                </a:moveTo>
-                <a:lnTo>
-                  <a:pt x="120000" y="0"/>
-                </a:lnTo>
-                <a:lnTo>
-                  <a:pt x="120000" y="120000"/>
-                </a:lnTo>
-                <a:lnTo>
-                  <a:pt x="0" y="120000"/>
-                </a:lnTo>
-                <a:close/>
-              </a:path>
-            </a:pathLst>
-          </a:custGeom>
-          <a:noFill/>
-          <a:ln w="9525" cap="flat" cmpd="sng">
-            <a:solidFill>
-              <a:srgbClr val="000000"/>
-            </a:solidFill>
-            <a:prstDash val="solid"/>
-            <a:round/>
-            <a:headEnd type="none" w="sm" len="sm"/>
-            <a:tailEnd type="none" w="sm" len="sm"/>
-          </a:ln>
-        </p:spPr>
-      </p:sp>
-      <p:sp>
-        <p:nvSpPr>
-          <p:cNvPr id="232" name="Google Shape;232;ge150f9a8ea_0_14:notes"/>
-          <p:cNvSpPr txBox="1">
-            <a:spLocks noGrp="1"/>
-          </p:cNvSpPr>
-          <p:nvPr>
-            <p:ph type="body" idx="1"/>
-          </p:nvPr>
-        </p:nvSpPr>
-        <p:spPr>
-          <a:xfrm>
-            <a:off x="685800" y="4343400"/>
-            <a:ext cx="5486400" cy="4114800"/>
-          </a:xfrm>
-          <a:prstGeom prst="rect">
-            <a:avLst/>
-          </a:prstGeom>
-          <a:noFill/>
-          <a:ln>
-            <a:noFill/>
-          </a:ln>
-        </p:spPr>
-        <p:txBody>
-          <a:bodyPr spcFirstLastPara="1" wrap="square" lIns="91425" tIns="91425" rIns="91425" bIns="91425" anchor="t" anchorCtr="0">
-            <a:noAutofit/>
-          </a:bodyPr>
-          <a:lstStyle/>
-          <a:p>
-            <a:pPr marL="0" marR="0" lvl="0" indent="0" algn="l" rtl="0">
-              <a:lnSpc>
-                <a:spcPct val="100000"/>
-              </a:lnSpc>
-              <a:spcBef>
-                <a:spcPts val="0"/>
-              </a:spcBef>
-              <a:spcAft>
-                <a:spcPts val="0"/>
-              </a:spcAft>
-              <a:buClr>
-                <a:srgbClr val="000000"/>
-              </a:buClr>
-              <a:buSzPts val="1100"/>
-              <a:buFont typeface="Arial"/>
-              <a:buNone/>
-            </a:pPr>
-            <a:endParaRPr sz="1100" b="0" i="0" u="none" strike="noStrike" cap="none">
-              <a:solidFill>
-                <a:srgbClr val="000000"/>
-              </a:solidFill>
-              <a:latin typeface="Arial"/>
-              <a:ea typeface="Arial"/>
-              <a:cs typeface="Arial"/>
-              <a:sym typeface="Arial"/>
-            </a:endParaRPr>
-          </a:p>
-        </p:txBody>
-      </p:sp>
-    </p:spTree>
-  </p:cSld>
-  <p:clrMapOvr>
-    <a:masterClrMapping/>
-  </p:clrMapOvr>
-</p:notes>
-</file>
-
-<file path=ppt/notesSlides/notesSlide7.xml><?xml version="1.0" encoding="utf-8"?>
-<p:notes xmlns:a="http://schemas.openxmlformats.org/drawingml/2006/main" xmlns:r="http://schemas.openxmlformats.org/officeDocument/2006/relationships" xmlns:p="http://schemas.openxmlformats.org/presentationml/2006/main" showMasterSp="0" showMasterPhAnim="0">
-  <p:cSld>
-    <p:spTree>
-      <p:nvGrpSpPr>
         <p:cNvPr id="1" name="Shape 238"/>
         <p:cNvGrpSpPr/>
         <p:nvPr/>
@@ -1947,7 +1817,7 @@
 </p:notes>
 </file>
 
-<file path=ppt/notesSlides/notesSlide8.xml><?xml version="1.0" encoding="utf-8"?>
+<file path=ppt/notesSlides/notesSlide7.xml><?xml version="1.0" encoding="utf-8"?>
 <p:notes xmlns:a="http://schemas.openxmlformats.org/drawingml/2006/main" xmlns:r="http://schemas.openxmlformats.org/officeDocument/2006/relationships" xmlns:p="http://schemas.openxmlformats.org/presentationml/2006/main" showMasterSp="0" showMasterPhAnim="0">
   <p:cSld>
     <p:spTree>
@@ -2081,7 +1951,7 @@
 </p:notes>
 </file>
 
-<file path=ppt/notesSlides/notesSlide9.xml><?xml version="1.0" encoding="utf-8"?>
+<file path=ppt/notesSlides/notesSlide8.xml><?xml version="1.0" encoding="utf-8"?>
 <p:notes xmlns:a="http://schemas.openxmlformats.org/drawingml/2006/main" xmlns:r="http://schemas.openxmlformats.org/officeDocument/2006/relationships" xmlns:p="http://schemas.openxmlformats.org/presentationml/2006/main" showMasterSp="0" showMasterPhAnim="0">
   <p:cSld>
     <p:spTree>
@@ -2152,6 +2022,140 @@
       <p:sp>
         <p:nvSpPr>
           <p:cNvPr id="256" name="Google Shape;256;ge150f9a8ea_0_7:notes"/>
+          <p:cNvSpPr txBox="1">
+            <a:spLocks noGrp="1"/>
+          </p:cNvSpPr>
+          <p:nvPr>
+            <p:ph type="body" idx="1"/>
+          </p:nvPr>
+        </p:nvSpPr>
+        <p:spPr>
+          <a:xfrm>
+            <a:off x="685800" y="4343400"/>
+            <a:ext cx="5486400" cy="4114800"/>
+          </a:xfrm>
+          <a:prstGeom prst="rect">
+            <a:avLst/>
+          </a:prstGeom>
+          <a:noFill/>
+          <a:ln>
+            <a:noFill/>
+          </a:ln>
+        </p:spPr>
+        <p:txBody>
+          <a:bodyPr spcFirstLastPara="1" wrap="square" lIns="91425" tIns="91425" rIns="91425" bIns="91425" anchor="t" anchorCtr="0">
+            <a:noAutofit/>
+          </a:bodyPr>
+          <a:lstStyle/>
+          <a:p>
+            <a:pPr marL="0" marR="0" lvl="0" indent="0" algn="l" rtl="0">
+              <a:lnSpc>
+                <a:spcPct val="100000"/>
+              </a:lnSpc>
+              <a:spcBef>
+                <a:spcPts val="0"/>
+              </a:spcBef>
+              <a:spcAft>
+                <a:spcPts val="0"/>
+              </a:spcAft>
+              <a:buClr>
+                <a:srgbClr val="000000"/>
+              </a:buClr>
+              <a:buSzPts val="1100"/>
+              <a:buFont typeface="Arial"/>
+              <a:buNone/>
+            </a:pPr>
+            <a:endParaRPr sz="1100" b="0" i="0" u="none" strike="noStrike" cap="none">
+              <a:solidFill>
+                <a:srgbClr val="000000"/>
+              </a:solidFill>
+              <a:latin typeface="Arial"/>
+              <a:ea typeface="Arial"/>
+              <a:cs typeface="Arial"/>
+              <a:sym typeface="Arial"/>
+            </a:endParaRPr>
+          </a:p>
+        </p:txBody>
+      </p:sp>
+    </p:spTree>
+  </p:cSld>
+  <p:clrMapOvr>
+    <a:masterClrMapping/>
+  </p:clrMapOvr>
+</p:notes>
+</file>
+
+<file path=ppt/notesSlides/notesSlide9.xml><?xml version="1.0" encoding="utf-8"?>
+<p:notes xmlns:a="http://schemas.openxmlformats.org/drawingml/2006/main" xmlns:r="http://schemas.openxmlformats.org/officeDocument/2006/relationships" xmlns:p="http://schemas.openxmlformats.org/presentationml/2006/main" showMasterSp="0" showMasterPhAnim="0">
+  <p:cSld>
+    <p:spTree>
+      <p:nvGrpSpPr>
+        <p:cNvPr id="1" name="Shape 230"/>
+        <p:cNvGrpSpPr/>
+        <p:nvPr/>
+      </p:nvGrpSpPr>
+      <p:grpSpPr>
+        <a:xfrm>
+          <a:off x="0" y="0"/>
+          <a:ext cx="0" cy="0"/>
+          <a:chOff x="0" y="0"/>
+          <a:chExt cx="0" cy="0"/>
+        </a:xfrm>
+      </p:grpSpPr>
+      <p:sp>
+        <p:nvSpPr>
+          <p:cNvPr id="231" name="Google Shape;231;ge150f9a8ea_0_14:notes"/>
+          <p:cNvSpPr>
+            <a:spLocks noGrp="1" noRot="1" noChangeAspect="1"/>
+          </p:cNvSpPr>
+          <p:nvPr>
+            <p:ph type="sldImg" idx="2"/>
+          </p:nvPr>
+        </p:nvSpPr>
+        <p:spPr>
+          <a:xfrm>
+            <a:off x="381000" y="685800"/>
+            <a:ext cx="6096000" cy="3429000"/>
+          </a:xfrm>
+          <a:custGeom>
+            <a:avLst/>
+            <a:gdLst/>
+            <a:ahLst/>
+            <a:cxnLst/>
+            <a:rect l="l" t="t" r="r" b="b"/>
+            <a:pathLst>
+              <a:path w="120000" h="120000" extrusionOk="0">
+                <a:moveTo>
+                  <a:pt x="0" y="0"/>
+                </a:moveTo>
+                <a:lnTo>
+                  <a:pt x="120000" y="0"/>
+                </a:lnTo>
+                <a:lnTo>
+                  <a:pt x="120000" y="120000"/>
+                </a:lnTo>
+                <a:lnTo>
+                  <a:pt x="0" y="120000"/>
+                </a:lnTo>
+                <a:close/>
+              </a:path>
+            </a:pathLst>
+          </a:custGeom>
+          <a:noFill/>
+          <a:ln w="9525" cap="flat" cmpd="sng">
+            <a:solidFill>
+              <a:srgbClr val="000000"/>
+            </a:solidFill>
+            <a:prstDash val="solid"/>
+            <a:round/>
+            <a:headEnd type="none" w="sm" len="sm"/>
+            <a:tailEnd type="none" w="sm" len="sm"/>
+          </a:ln>
+        </p:spPr>
+      </p:sp>
+      <p:sp>
+        <p:nvSpPr>
+          <p:cNvPr id="232" name="Google Shape;232;ge150f9a8ea_0_14:notes"/>
           <p:cNvSpPr txBox="1">
             <a:spLocks noGrp="1"/>
           </p:cNvSpPr>
@@ -35599,6 +35603,454 @@
   <p:cSld>
     <p:spTree>
       <p:nvGrpSpPr>
+        <p:cNvPr id="1" name=""/>
+        <p:cNvGrpSpPr/>
+        <p:nvPr/>
+      </p:nvGrpSpPr>
+      <p:grpSpPr>
+        <a:xfrm>
+          <a:off x="0" y="0"/>
+          <a:ext cx="0" cy="0"/>
+          <a:chOff x="0" y="0"/>
+          <a:chExt cx="0" cy="0"/>
+        </a:xfrm>
+      </p:grpSpPr>
+      <p:sp>
+        <p:nvSpPr>
+          <p:cNvPr id="2" name="Title 1">
+            <a:extLst>
+              <a:ext uri="{FF2B5EF4-FFF2-40B4-BE49-F238E27FC236}">
+                <a16:creationId xmlns:a16="http://schemas.microsoft.com/office/drawing/2014/main" id="{EE75B1F0-22DE-419D-8BEC-138E5A86F878}"/>
+              </a:ext>
+            </a:extLst>
+          </p:cNvPr>
+          <p:cNvSpPr>
+            <a:spLocks noGrp="1"/>
+          </p:cNvSpPr>
+          <p:nvPr>
+            <p:ph type="title"/>
+          </p:nvPr>
+        </p:nvSpPr>
+        <p:spPr/>
+        <p:txBody>
+          <a:bodyPr/>
+          <a:lstStyle/>
+          <a:p>
+            <a:r>
+              <a:rPr lang="en-US"/>
+              <a:t>Animation</a:t>
+            </a:r>
+          </a:p>
+        </p:txBody>
+      </p:sp>
+      <p:pic>
+        <p:nvPicPr>
+          <p:cNvPr id="4" name="Google Shape;259;ge150f9a8ea_0_7" descr="A picture containing diagram&#10;&#10;Description automatically generated">
+            <a:extLst>
+              <a:ext uri="{FF2B5EF4-FFF2-40B4-BE49-F238E27FC236}">
+                <a16:creationId xmlns:a16="http://schemas.microsoft.com/office/drawing/2014/main" id="{781A1808-99DD-44ED-8099-A573AD453CC0}"/>
+              </a:ext>
+            </a:extLst>
+          </p:cNvPr>
+          <p:cNvPicPr preferRelativeResize="0"/>
+          <p:nvPr/>
+        </p:nvPicPr>
+        <p:blipFill rotWithShape="1">
+          <a:blip r:embed="rId2">
+            <a:alphaModFix/>
+          </a:blip>
+          <a:srcRect/>
+          <a:stretch/>
+        </p:blipFill>
+        <p:spPr>
+          <a:xfrm rot="10800000">
+            <a:off x="6866150" y="0"/>
+            <a:ext cx="2277848" cy="2016224"/>
+          </a:xfrm>
+          <a:prstGeom prst="rect">
+            <a:avLst/>
+          </a:prstGeom>
+          <a:noFill/>
+          <a:ln>
+            <a:noFill/>
+          </a:ln>
+        </p:spPr>
+      </p:pic>
+      <p:sp>
+        <p:nvSpPr>
+          <p:cNvPr id="3" name="TextBox 2">
+            <a:extLst>
+              <a:ext uri="{FF2B5EF4-FFF2-40B4-BE49-F238E27FC236}">
+                <a16:creationId xmlns:a16="http://schemas.microsoft.com/office/drawing/2014/main" id="{E1BDE7BB-6C05-4561-A46A-521C4A833ACB}"/>
+              </a:ext>
+            </a:extLst>
+          </p:cNvPr>
+          <p:cNvSpPr txBox="1"/>
+          <p:nvPr/>
+        </p:nvSpPr>
+        <p:spPr>
+          <a:xfrm>
+            <a:off x="350623" y="1570853"/>
+            <a:ext cx="7145294" cy="738664"/>
+          </a:xfrm>
+          <a:prstGeom prst="rect">
+            <a:avLst/>
+          </a:prstGeom>
+          <a:noFill/>
+        </p:spPr>
+        <p:txBody>
+          <a:bodyPr rot="0" spcFirstLastPara="0" vertOverflow="overflow" horzOverflow="overflow" vert="horz" wrap="square" lIns="91440" tIns="45720" rIns="91440" bIns="45720" numCol="1" spcCol="0" rtlCol="0" fromWordArt="0" anchor="t" anchorCtr="0" forceAA="0" compatLnSpc="1">
+            <a:prstTxWarp prst="textNoShape">
+              <a:avLst/>
+            </a:prstTxWarp>
+            <a:spAutoFit/>
+          </a:bodyPr>
+          <a:lstStyle/>
+          <a:p>
+            <a:r>
+              <a:rPr lang="en-US" dirty="0"/>
+              <a:t>Korsiti se niz slika koje se kontrolisano menjaju u zavisnosti od željenog broja frame-ova u sekundi. Ako kažemo da animacija ima 10 frame-ova u sekundi, znači da promenimo </a:t>
+            </a:r>
+            <a:r>
+              <a:rPr lang="en-US"/>
+              <a:t>10 slika u jednoj sekundi pri čemu se dobija pokret.</a:t>
+            </a:r>
+          </a:p>
+        </p:txBody>
+      </p:sp>
+      <p:pic>
+        <p:nvPicPr>
+          <p:cNvPr id="6" name="Picture 6" descr="A picture containing text, toy, doll&#10;&#10;Description automatically generated">
+            <a:extLst>
+              <a:ext uri="{FF2B5EF4-FFF2-40B4-BE49-F238E27FC236}">
+                <a16:creationId xmlns:a16="http://schemas.microsoft.com/office/drawing/2014/main" id="{E33DC7CE-57DD-4ABA-A31D-489034A15FA8}"/>
+              </a:ext>
+            </a:extLst>
+          </p:cNvPr>
+          <p:cNvPicPr>
+            <a:picLocks noChangeAspect="1"/>
+          </p:cNvPicPr>
+          <p:nvPr/>
+        </p:nvPicPr>
+        <p:blipFill>
+          <a:blip r:embed="rId3"/>
+          <a:stretch>
+            <a:fillRect/>
+          </a:stretch>
+        </p:blipFill>
+        <p:spPr>
+          <a:xfrm>
+            <a:off x="466468" y="3402684"/>
+            <a:ext cx="8303740" cy="1643566"/>
+          </a:xfrm>
+          <a:prstGeom prst="rect">
+            <a:avLst/>
+          </a:prstGeom>
+        </p:spPr>
+      </p:pic>
+    </p:spTree>
+    <p:extLst>
+      <p:ext uri="{BB962C8B-B14F-4D97-AF65-F5344CB8AC3E}">
+        <p14:creationId xmlns:p14="http://schemas.microsoft.com/office/powerpoint/2010/main" val="3318466514"/>
+      </p:ext>
+    </p:extLst>
+  </p:cSld>
+  <p:clrMapOvr>
+    <a:masterClrMapping/>
+  </p:clrMapOvr>
+</p:sld>
+</file>
+
+<file path=ppt/slides/slide11.xml><?xml version="1.0" encoding="utf-8"?>
+<p:sld xmlns:a="http://schemas.openxmlformats.org/drawingml/2006/main" xmlns:r="http://schemas.openxmlformats.org/officeDocument/2006/relationships" xmlns:p="http://schemas.openxmlformats.org/presentationml/2006/main">
+  <p:cSld>
+    <p:spTree>
+      <p:nvGrpSpPr>
+        <p:cNvPr id="1" name=""/>
+        <p:cNvGrpSpPr/>
+        <p:nvPr/>
+      </p:nvGrpSpPr>
+      <p:grpSpPr>
+        <a:xfrm>
+          <a:off x="0" y="0"/>
+          <a:ext cx="0" cy="0"/>
+          <a:chOff x="0" y="0"/>
+          <a:chExt cx="0" cy="0"/>
+        </a:xfrm>
+      </p:grpSpPr>
+      <p:sp>
+        <p:nvSpPr>
+          <p:cNvPr id="2" name="Title 1">
+            <a:extLst>
+              <a:ext uri="{FF2B5EF4-FFF2-40B4-BE49-F238E27FC236}">
+                <a16:creationId xmlns:a16="http://schemas.microsoft.com/office/drawing/2014/main" id="{11277434-5EA0-47CF-B925-A3E279D9FF68}"/>
+              </a:ext>
+            </a:extLst>
+          </p:cNvPr>
+          <p:cNvSpPr>
+            <a:spLocks noGrp="1"/>
+          </p:cNvSpPr>
+          <p:nvPr>
+            <p:ph type="title"/>
+          </p:nvPr>
+        </p:nvSpPr>
+        <p:spPr/>
+        <p:txBody>
+          <a:bodyPr/>
+          <a:lstStyle/>
+          <a:p>
+            <a:r>
+              <a:rPr lang="en-US"/>
+              <a:t>Animation state</a:t>
+            </a:r>
+          </a:p>
+        </p:txBody>
+      </p:sp>
+      <p:sp>
+        <p:nvSpPr>
+          <p:cNvPr id="3" name="TextBox 2">
+            <a:extLst>
+              <a:ext uri="{FF2B5EF4-FFF2-40B4-BE49-F238E27FC236}">
+                <a16:creationId xmlns:a16="http://schemas.microsoft.com/office/drawing/2014/main" id="{F5580244-B9F1-47D4-901F-583D1F219AFF}"/>
+              </a:ext>
+            </a:extLst>
+          </p:cNvPr>
+          <p:cNvSpPr txBox="1"/>
+          <p:nvPr/>
+        </p:nvSpPr>
+        <p:spPr>
+          <a:xfrm>
+            <a:off x="312008" y="1184704"/>
+            <a:ext cx="8442754" cy="738664"/>
+          </a:xfrm>
+          <a:prstGeom prst="rect">
+            <a:avLst/>
+          </a:prstGeom>
+          <a:noFill/>
+        </p:spPr>
+        <p:txBody>
+          <a:bodyPr rot="0" spcFirstLastPara="0" vertOverflow="overflow" horzOverflow="overflow" vert="horz" wrap="square" lIns="91440" tIns="45720" rIns="91440" bIns="45720" numCol="1" spcCol="0" rtlCol="0" fromWordArt="0" anchor="t" anchorCtr="0" forceAA="0" compatLnSpc="1">
+            <a:prstTxWarp prst="textNoShape">
+              <a:avLst/>
+            </a:prstTxWarp>
+            <a:spAutoFit/>
+          </a:bodyPr>
+          <a:lstStyle/>
+          <a:p>
+            <a:r>
+              <a:rPr lang="en-US" dirty="0"/>
+              <a:t>Često ste spominje animation state koji se uglavnom kontroliše uz pomoć swich case-a. U zavisnosti od </a:t>
+            </a:r>
+            <a:r>
+              <a:rPr lang="en-US"/>
+              <a:t>stanja(mirovanje, trčanje, skok...) objekta koji se animira, menjaju se slike koje se koriste, broj frame-ova kao i </a:t>
+            </a:r>
+            <a:r>
+              <a:rPr lang="en-US" dirty="0"/>
+              <a:t>same karakteristike slike(širina, visina i slično).</a:t>
+            </a:r>
+          </a:p>
+        </p:txBody>
+      </p:sp>
+      <p:sp>
+        <p:nvSpPr>
+          <p:cNvPr id="4" name="TextBox 3">
+            <a:extLst>
+              <a:ext uri="{FF2B5EF4-FFF2-40B4-BE49-F238E27FC236}">
+                <a16:creationId xmlns:a16="http://schemas.microsoft.com/office/drawing/2014/main" id="{B2176DDA-98D3-48E2-B1B1-213C77465D54}"/>
+              </a:ext>
+            </a:extLst>
+          </p:cNvPr>
+          <p:cNvSpPr txBox="1"/>
+          <p:nvPr/>
+        </p:nvSpPr>
+        <p:spPr>
+          <a:xfrm>
+            <a:off x="308147" y="2030369"/>
+            <a:ext cx="8736227" cy="1169551"/>
+          </a:xfrm>
+          <a:prstGeom prst="rect">
+            <a:avLst/>
+          </a:prstGeom>
+          <a:noFill/>
+        </p:spPr>
+        <p:txBody>
+          <a:bodyPr rot="0" spcFirstLastPara="0" vertOverflow="overflow" horzOverflow="overflow" vert="horz" wrap="square" lIns="91440" tIns="45720" rIns="91440" bIns="45720" numCol="1" spcCol="0" rtlCol="0" fromWordArt="0" anchor="t" anchorCtr="0" forceAA="0" compatLnSpc="1">
+            <a:prstTxWarp prst="textNoShape">
+              <a:avLst/>
+            </a:prstTxWarp>
+            <a:spAutoFit/>
+          </a:bodyPr>
+          <a:lstStyle/>
+          <a:p>
+            <a:r>
+              <a:rPr lang="en-US" dirty="0"/>
+              <a:t>Takodje jako bitna stvar je hijerarhija animacije. Veoma je važno znati da li animacija koja treba da se aktivira ima prednost I prekida postojeću ili ne. U igricama najčešće skakanje prekida animaciju trčanja dok to nije i obrnut slučaj (Super Mario). Animacija trčanja je stalno prisutna dok Mario ima horizontalnu brzinu (kreće se po X-os) ali kada Mario skoči animacija skoka počinje i prekida animaciju trčanja, dok to nije obrnut </a:t>
+            </a:r>
+            <a:r>
+              <a:rPr lang="en-US"/>
+              <a:t>slučaj, Super Mario nikad neće početi da trči u vazduhu.</a:t>
+            </a:r>
+          </a:p>
+        </p:txBody>
+      </p:sp>
+      <p:sp>
+        <p:nvSpPr>
+          <p:cNvPr id="5" name="TextBox 4">
+            <a:extLst>
+              <a:ext uri="{FF2B5EF4-FFF2-40B4-BE49-F238E27FC236}">
+                <a16:creationId xmlns:a16="http://schemas.microsoft.com/office/drawing/2014/main" id="{A521C657-F8B0-4505-A3C6-6B1AFB15F535}"/>
+              </a:ext>
+            </a:extLst>
+          </p:cNvPr>
+          <p:cNvSpPr txBox="1"/>
+          <p:nvPr/>
+        </p:nvSpPr>
+        <p:spPr>
+          <a:xfrm>
+            <a:off x="312008" y="3378029"/>
+            <a:ext cx="5940510" cy="307777"/>
+          </a:xfrm>
+          <a:prstGeom prst="rect">
+            <a:avLst/>
+          </a:prstGeom>
+          <a:noFill/>
+        </p:spPr>
+        <p:txBody>
+          <a:bodyPr rot="0" spcFirstLastPara="0" vertOverflow="overflow" horzOverflow="overflow" vert="horz" wrap="square" lIns="91440" tIns="45720" rIns="91440" bIns="45720" numCol="1" spcCol="0" rtlCol="0" fromWordArt="0" anchor="t" anchorCtr="0" forceAA="0" compatLnSpc="1">
+            <a:prstTxWarp prst="textNoShape">
+              <a:avLst/>
+            </a:prstTxWarp>
+            <a:spAutoFit/>
+          </a:bodyPr>
+          <a:lstStyle/>
+          <a:p>
+            <a:r>
+              <a:rPr lang="en-US" dirty="0"/>
+              <a:t>Primer rešenja problema </a:t>
+            </a:r>
+            <a:r>
+              <a:rPr lang="en-US"/>
+              <a:t>animacije (ima još zanimljivih stvari):</a:t>
+            </a:r>
+            <a:endParaRPr lang="en-US" dirty="0"/>
+          </a:p>
+        </p:txBody>
+      </p:sp>
+      <p:sp>
+        <p:nvSpPr>
+          <p:cNvPr id="6" name="TextBox 5">
+            <a:extLst>
+              <a:ext uri="{FF2B5EF4-FFF2-40B4-BE49-F238E27FC236}">
+                <a16:creationId xmlns:a16="http://schemas.microsoft.com/office/drawing/2014/main" id="{8F89D025-A589-47FC-98FD-6AA2E69919B2}"/>
+              </a:ext>
+            </a:extLst>
+          </p:cNvPr>
+          <p:cNvSpPr txBox="1"/>
+          <p:nvPr/>
+        </p:nvSpPr>
+        <p:spPr>
+          <a:xfrm>
+            <a:off x="308147" y="3922498"/>
+            <a:ext cx="2743200" cy="307777"/>
+          </a:xfrm>
+          <a:prstGeom prst="rect">
+            <a:avLst/>
+          </a:prstGeom>
+          <a:noFill/>
+        </p:spPr>
+        <p:txBody>
+          <a:bodyPr rot="0" spcFirstLastPara="0" vertOverflow="overflow" horzOverflow="overflow" vert="horz" wrap="square" lIns="91440" tIns="45720" rIns="91440" bIns="45720" numCol="1" spcCol="0" rtlCol="0" fromWordArt="0" anchor="t" anchorCtr="0" forceAA="0" compatLnSpc="1">
+            <a:prstTxWarp prst="textNoShape">
+              <a:avLst/>
+            </a:prstTxWarp>
+            <a:spAutoFit/>
+          </a:bodyPr>
+          <a:lstStyle/>
+          <a:p>
+            <a:r>
+              <a:rPr lang="en-US"/>
+              <a:t>CODEPEN LINK</a:t>
+            </a:r>
+          </a:p>
+        </p:txBody>
+      </p:sp>
+    </p:spTree>
+    <p:extLst>
+      <p:ext uri="{BB962C8B-B14F-4D97-AF65-F5344CB8AC3E}">
+        <p14:creationId xmlns:p14="http://schemas.microsoft.com/office/powerpoint/2010/main" val="1804299119"/>
+      </p:ext>
+    </p:extLst>
+  </p:cSld>
+  <p:clrMapOvr>
+    <a:masterClrMapping/>
+  </p:clrMapOvr>
+</p:sld>
+</file>
+
+<file path=ppt/slides/slide12.xml><?xml version="1.0" encoding="utf-8"?>
+<p:sld xmlns:a="http://schemas.openxmlformats.org/drawingml/2006/main" xmlns:r="http://schemas.openxmlformats.org/officeDocument/2006/relationships" xmlns:p="http://schemas.openxmlformats.org/presentationml/2006/main">
+  <p:cSld>
+    <p:spTree>
+      <p:nvGrpSpPr>
+        <p:cNvPr id="1" name=""/>
+        <p:cNvGrpSpPr/>
+        <p:nvPr/>
+      </p:nvGrpSpPr>
+      <p:grpSpPr>
+        <a:xfrm>
+          <a:off x="0" y="0"/>
+          <a:ext cx="0" cy="0"/>
+          <a:chOff x="0" y="0"/>
+          <a:chExt cx="0" cy="0"/>
+        </a:xfrm>
+      </p:grpSpPr>
+      <p:sp>
+        <p:nvSpPr>
+          <p:cNvPr id="2" name="Title 1">
+            <a:extLst>
+              <a:ext uri="{FF2B5EF4-FFF2-40B4-BE49-F238E27FC236}">
+                <a16:creationId xmlns:a16="http://schemas.microsoft.com/office/drawing/2014/main" id="{3E254339-7FDF-4ABE-93B4-147E593E2FD2}"/>
+              </a:ext>
+            </a:extLst>
+          </p:cNvPr>
+          <p:cNvSpPr>
+            <a:spLocks noGrp="1"/>
+          </p:cNvSpPr>
+          <p:nvPr>
+            <p:ph type="title"/>
+          </p:nvPr>
+        </p:nvSpPr>
+        <p:spPr/>
+        <p:txBody>
+          <a:bodyPr/>
+          <a:lstStyle/>
+          <a:p>
+            <a:r>
+              <a:rPr lang="en-US"/>
+              <a:t>JavaScript game dev frameworks</a:t>
+            </a:r>
+          </a:p>
+        </p:txBody>
+      </p:sp>
+    </p:spTree>
+    <p:extLst>
+      <p:ext uri="{BB962C8B-B14F-4D97-AF65-F5344CB8AC3E}">
+        <p14:creationId xmlns:p14="http://schemas.microsoft.com/office/powerpoint/2010/main" val="1689953139"/>
+      </p:ext>
+    </p:extLst>
+  </p:cSld>
+  <p:clrMapOvr>
+    <a:masterClrMapping/>
+  </p:clrMapOvr>
+</p:sld>
+</file>
+
+<file path=ppt/slides/slide13.xml><?xml version="1.0" encoding="utf-8"?>
+<p:sld xmlns:a="http://schemas.openxmlformats.org/drawingml/2006/main" xmlns:r="http://schemas.openxmlformats.org/officeDocument/2006/relationships" xmlns:p="http://schemas.openxmlformats.org/presentationml/2006/main">
+  <p:cSld>
+    <p:spTree>
+      <p:nvGrpSpPr>
         <p:cNvPr id="1" name="Shape 265"/>
         <p:cNvGrpSpPr/>
         <p:nvPr/>
@@ -39564,32 +40016,18 @@
           <a:lstStyle/>
           <a:p>
             <a:r>
-              <a:rPr lang="en-GB" sz="2400" dirty="0" err="1">
+              <a:rPr lang="en-GB" sz="2400">
                 <a:latin typeface="Muli"/>
                 <a:sym typeface="Muli"/>
               </a:rPr>
-              <a:t>Razvoj</a:t>
+              <a:t>Game Development</a:t>
             </a:r>
             <a:r>
               <a:rPr lang="en-GB" sz="2400" dirty="0">
                 <a:latin typeface="Muli"/>
                 <a:sym typeface="Muli"/>
               </a:rPr>
-              <a:t> </a:t>
-            </a:r>
-            <a:r>
-              <a:rPr lang="en-GB" sz="2400" dirty="0" err="1">
-                <a:latin typeface="Muli"/>
-                <a:sym typeface="Muli"/>
-              </a:rPr>
-              <a:t>igara</a:t>
-            </a:r>
-            <a:r>
-              <a:rPr lang="en-GB" sz="2400" dirty="0">
-                <a:latin typeface="Muli"/>
-                <a:sym typeface="Muli"/>
-              </a:rPr>
-              <a:t> u JavaScript-u</a:t>
+              <a:t> JavaScript-u</a:t>
             </a:r>
             <a:endParaRPr lang="en-US" dirty="0"/>
           </a:p>
@@ -39924,6 +40362,33 @@
               <a:ea typeface="Muli"/>
               <a:cs typeface="Muli"/>
             </a:endParaRPr>
+          </a:p>
+          <a:p>
+            <a:pPr indent="-304800">
+              <a:lnSpc>
+                <a:spcPct val="150000"/>
+              </a:lnSpc>
+              <a:spcBef>
+                <a:spcPts val="2400"/>
+              </a:spcBef>
+              <a:buClr>
+                <a:srgbClr val="1C1C1C"/>
+              </a:buClr>
+              <a:buSzPts val="1200"/>
+              <a:buFont typeface="Muli"/>
+              <a:buChar char="●"/>
+            </a:pPr>
+            <a:r>
+              <a:rPr lang="en-GB" sz="1200">
+                <a:solidFill>
+                  <a:srgbClr val="1C1C1C"/>
+                </a:solidFill>
+                <a:latin typeface="Muli"/>
+                <a:ea typeface="Muli"/>
+                <a:cs typeface="Muli"/>
+              </a:rPr>
+              <a:t>Danas takodje postoji veliki broj JS framework-a koji mnogo olakašavaju pravljenje igara. Većina početnih problema sa kojim se developer susreće su rešeni što znači da se osoba odmah može usmeriti odmah na razvoj gameplay-a I svojih ideja, bez da troši vreme na rešavanje 'matematickih' problema. </a:t>
+            </a:r>
           </a:p>
           <a:p>
             <a:pPr marL="914400" indent="0">
@@ -40103,62 +40568,6 @@
           </a:ln>
         </p:spPr>
       </p:pic>
-      <p:sp>
-        <p:nvSpPr>
-          <p:cNvPr id="229" name="Google Shape;229;p5"/>
-          <p:cNvSpPr txBox="1">
-            <a:spLocks noGrp="1"/>
-          </p:cNvSpPr>
-          <p:nvPr>
-            <p:ph type="body" idx="4294967295"/>
-          </p:nvPr>
-        </p:nvSpPr>
-        <p:spPr>
-          <a:xfrm flipV="1">
-            <a:off x="387900" y="960463"/>
-            <a:ext cx="160961" cy="178731"/>
-          </a:xfrm>
-          <a:prstGeom prst="rect">
-            <a:avLst/>
-          </a:prstGeom>
-          <a:noFill/>
-          <a:ln>
-            <a:noFill/>
-          </a:ln>
-        </p:spPr>
-        <p:txBody>
-          <a:bodyPr spcFirstLastPara="1" wrap="square" lIns="91425" tIns="91425" rIns="91425" bIns="91425" anchor="t" anchorCtr="0">
-            <a:noAutofit/>
-          </a:bodyPr>
-          <a:lstStyle/>
-          <a:p>
-            <a:pPr marL="152400" marR="0" lvl="0" indent="0" algn="l" rtl="0">
-              <a:lnSpc>
-                <a:spcPct val="150000"/>
-              </a:lnSpc>
-              <a:spcBef>
-                <a:spcPts val="2400"/>
-              </a:spcBef>
-              <a:spcAft>
-                <a:spcPts val="0"/>
-              </a:spcAft>
-              <a:buClr>
-                <a:srgbClr val="1C1C1C"/>
-              </a:buClr>
-              <a:buSzPts val="1200"/>
-              <a:buNone/>
-            </a:pPr>
-            <a:endParaRPr lang="en-GB" sz="1200" dirty="0">
-              <a:solidFill>
-                <a:srgbClr val="1C1C1C"/>
-              </a:solidFill>
-              <a:latin typeface="Muli"/>
-              <a:ea typeface="Muli"/>
-              <a:cs typeface="Muli"/>
-            </a:endParaRPr>
-          </a:p>
-        </p:txBody>
-      </p:sp>
       <p:pic>
         <p:nvPicPr>
           <p:cNvPr id="2" name="Picture 2" descr="Graphical user interface, text, application&#10;&#10;Description automatically generated">
@@ -40282,365 +40691,10 @@
   <p:clrMapOvr>
     <a:masterClrMapping/>
   </p:clrMapOvr>
-  <p:timing>
-    <p:tnLst>
-      <p:par>
-        <p:cTn id="1" dur="indefinite" restart="never" nodeType="tmRoot">
-          <p:childTnLst>
-            <p:seq concurrent="1" nextAc="seek">
-              <p:cTn id="2" dur="indefinite" nodeType="mainSeq">
-                <p:childTnLst>
-                  <p:par>
-                    <p:cTn id="3" fill="hold">
-                      <p:stCondLst>
-                        <p:cond delay="indefinite"/>
-                      </p:stCondLst>
-                      <p:childTnLst>
-                        <p:par>
-                          <p:cTn id="4" fill="hold">
-                            <p:stCondLst>
-                              <p:cond delay="0"/>
-                            </p:stCondLst>
-                            <p:childTnLst>
-                              <p:par>
-                                <p:cTn id="5" presetID="10" presetClass="entr" presetSubtype="0" fill="hold" nodeType="clickEffect" nodePh="1">
-                                  <p:stCondLst>
-                                    <p:cond delay="0"/>
-                                  </p:stCondLst>
-                                  <p:endCondLst>
-                                    <p:cond evt="begin" delay="0">
-                                      <p:tn val="5"/>
-                                    </p:cond>
-                                  </p:endCondLst>
-                                  <p:childTnLst>
-                                    <p:set>
-                                      <p:cBhvr>
-                                        <p:cTn id="6" dur="1" fill="hold">
-                                          <p:stCondLst>
-                                            <p:cond delay="0"/>
-                                          </p:stCondLst>
-                                        </p:cTn>
-                                        <p:tgtEl>
-                                          <p:spTgt spid="229">
-                                            <p:txEl>
-                                              <p:pRg st="0" end="0"/>
-                                            </p:txEl>
-                                          </p:spTgt>
-                                        </p:tgtEl>
-                                        <p:attrNameLst>
-                                          <p:attrName>style.visibility</p:attrName>
-                                        </p:attrNameLst>
-                                      </p:cBhvr>
-                                      <p:to>
-                                        <p:strVal val="visible"/>
-                                      </p:to>
-                                    </p:set>
-                                    <p:animEffect transition="in" filter="fade">
-                                      <p:cBhvr>
-                                        <p:cTn id="7" dur="1000"/>
-                                        <p:tgtEl>
-                                          <p:spTgt spid="229">
-                                            <p:txEl>
-                                              <p:pRg st="0" end="0"/>
-                                            </p:txEl>
-                                          </p:spTgt>
-                                        </p:tgtEl>
-                                      </p:cBhvr>
-                                    </p:animEffect>
-                                  </p:childTnLst>
-                                </p:cTn>
-                              </p:par>
-                            </p:childTnLst>
-                          </p:cTn>
-                        </p:par>
-                      </p:childTnLst>
-                    </p:cTn>
-                  </p:par>
-                </p:childTnLst>
-              </p:cTn>
-              <p:prevCondLst>
-                <p:cond evt="onPrev" delay="0">
-                  <p:tgtEl>
-                    <p:sldTgt/>
-                  </p:tgtEl>
-                </p:cond>
-              </p:prevCondLst>
-              <p:nextCondLst>
-                <p:cond evt="onNext" delay="0">
-                  <p:tgtEl>
-                    <p:sldTgt/>
-                  </p:tgtEl>
-                </p:cond>
-              </p:nextCondLst>
-            </p:seq>
-          </p:childTnLst>
-        </p:cTn>
-      </p:par>
-    </p:tnLst>
-  </p:timing>
 </p:sld>
 </file>
 
 <file path=ppt/slides/slide6.xml><?xml version="1.0" encoding="utf-8"?>
-<p:sld xmlns:a="http://schemas.openxmlformats.org/drawingml/2006/main" xmlns:r="http://schemas.openxmlformats.org/officeDocument/2006/relationships" xmlns:p="http://schemas.openxmlformats.org/presentationml/2006/main">
-  <p:cSld>
-    <p:spTree>
-      <p:nvGrpSpPr>
-        <p:cNvPr id="1" name="Shape 233"/>
-        <p:cNvGrpSpPr/>
-        <p:nvPr/>
-      </p:nvGrpSpPr>
-      <p:grpSpPr>
-        <a:xfrm>
-          <a:off x="0" y="0"/>
-          <a:ext cx="0" cy="0"/>
-          <a:chOff x="0" y="0"/>
-          <a:chExt cx="0" cy="0"/>
-        </a:xfrm>
-      </p:grpSpPr>
-      <p:sp>
-        <p:nvSpPr>
-          <p:cNvPr id="234" name="Google Shape;234;ge150f9a8ea_0_14"/>
-          <p:cNvSpPr txBox="1">
-            <a:spLocks noGrp="1"/>
-          </p:cNvSpPr>
-          <p:nvPr>
-            <p:ph type="title" idx="4294967295"/>
-          </p:nvPr>
-        </p:nvSpPr>
-        <p:spPr>
-          <a:xfrm>
-            <a:off x="387900" y="368825"/>
-            <a:ext cx="8520600" cy="572700"/>
-          </a:xfrm>
-          <a:prstGeom prst="rect">
-            <a:avLst/>
-          </a:prstGeom>
-          <a:noFill/>
-          <a:ln>
-            <a:noFill/>
-          </a:ln>
-        </p:spPr>
-        <p:txBody>
-          <a:bodyPr spcFirstLastPara="1" wrap="square" lIns="91425" tIns="91425" rIns="91425" bIns="91425" anchor="t" anchorCtr="0">
-            <a:noAutofit/>
-          </a:bodyPr>
-          <a:lstStyle/>
-          <a:p>
-            <a:r>
-              <a:rPr lang="en-GB" sz="2400">
-                <a:latin typeface="Muli"/>
-                <a:sym typeface="Muli"/>
-              </a:rPr>
-              <a:t>Canvas – drawImage()</a:t>
-            </a:r>
-            <a:endParaRPr lang="en-US"/>
-          </a:p>
-        </p:txBody>
-      </p:sp>
-      <p:pic>
-        <p:nvPicPr>
-          <p:cNvPr id="235" name="Google Shape;235;ge150f9a8ea_0_14"/>
-          <p:cNvPicPr preferRelativeResize="0"/>
-          <p:nvPr/>
-        </p:nvPicPr>
-        <p:blipFill rotWithShape="1">
-          <a:blip r:embed="rId3">
-            <a:alphaModFix/>
-          </a:blip>
-          <a:srcRect/>
-          <a:stretch/>
-        </p:blipFill>
-        <p:spPr>
-          <a:xfrm rot="10800000">
-            <a:off x="6866150" y="0"/>
-            <a:ext cx="2277848" cy="2016224"/>
-          </a:xfrm>
-          <a:prstGeom prst="rect">
-            <a:avLst/>
-          </a:prstGeom>
-          <a:noFill/>
-          <a:ln>
-            <a:noFill/>
-          </a:ln>
-        </p:spPr>
-      </p:pic>
-      <p:pic>
-        <p:nvPicPr>
-          <p:cNvPr id="236" name="Google Shape;236;ge150f9a8ea_0_14"/>
-          <p:cNvPicPr preferRelativeResize="0"/>
-          <p:nvPr/>
-        </p:nvPicPr>
-        <p:blipFill rotWithShape="1">
-          <a:blip r:embed="rId4">
-            <a:alphaModFix/>
-          </a:blip>
-          <a:srcRect/>
-          <a:stretch/>
-        </p:blipFill>
-        <p:spPr>
-          <a:xfrm>
-            <a:off x="8382000" y="4629150"/>
-            <a:ext cx="592825" cy="335925"/>
-          </a:xfrm>
-          <a:prstGeom prst="rect">
-            <a:avLst/>
-          </a:prstGeom>
-          <a:noFill/>
-          <a:ln>
-            <a:noFill/>
-          </a:ln>
-        </p:spPr>
-      </p:pic>
-      <p:pic>
-        <p:nvPicPr>
-          <p:cNvPr id="2" name="Picture 2" descr="Graphical user interface, text, application, email&#10;&#10;Description automatically generated">
-            <a:extLst>
-              <a:ext uri="{FF2B5EF4-FFF2-40B4-BE49-F238E27FC236}">
-                <a16:creationId xmlns:a16="http://schemas.microsoft.com/office/drawing/2014/main" id="{7737F442-27B5-462A-9363-D102EB87C083}"/>
-              </a:ext>
-            </a:extLst>
-          </p:cNvPr>
-          <p:cNvPicPr>
-            <a:picLocks noChangeAspect="1"/>
-          </p:cNvPicPr>
-          <p:nvPr/>
-        </p:nvPicPr>
-        <p:blipFill>
-          <a:blip r:embed="rId5"/>
-          <a:stretch>
-            <a:fillRect/>
-          </a:stretch>
-        </p:blipFill>
-        <p:spPr>
-          <a:xfrm>
-            <a:off x="414338" y="1004968"/>
-            <a:ext cx="6393005" cy="4062250"/>
-          </a:xfrm>
-          <a:prstGeom prst="rect">
-            <a:avLst/>
-          </a:prstGeom>
-        </p:spPr>
-      </p:pic>
-      <p:sp>
-        <p:nvSpPr>
-          <p:cNvPr id="3" name="TextBox 2">
-            <a:extLst>
-              <a:ext uri="{FF2B5EF4-FFF2-40B4-BE49-F238E27FC236}">
-                <a16:creationId xmlns:a16="http://schemas.microsoft.com/office/drawing/2014/main" id="{DE88BC72-D544-4CEE-8BFB-7BA27F280141}"/>
-              </a:ext>
-            </a:extLst>
-          </p:cNvPr>
-          <p:cNvSpPr txBox="1"/>
-          <p:nvPr/>
-        </p:nvSpPr>
-        <p:spPr>
-          <a:xfrm>
-            <a:off x="3629026" y="4207019"/>
-            <a:ext cx="5003222" cy="461665"/>
-          </a:xfrm>
-          <a:prstGeom prst="rect">
-            <a:avLst/>
-          </a:prstGeom>
-          <a:noFill/>
-        </p:spPr>
-        <p:txBody>
-          <a:bodyPr rot="0" spcFirstLastPara="0" vertOverflow="overflow" horzOverflow="overflow" vert="horz" wrap="square" lIns="91440" tIns="45720" rIns="91440" bIns="45720" numCol="1" spcCol="0" rtlCol="0" fromWordArt="0" anchor="t" anchorCtr="0" forceAA="0" compatLnSpc="1">
-            <a:prstTxWarp prst="textNoShape">
-              <a:avLst/>
-            </a:prstTxWarp>
-            <a:spAutoFit/>
-          </a:bodyPr>
-          <a:lstStyle/>
-          <a:p>
-            <a:pPr algn="l"/>
-            <a:r>
-              <a:rPr lang="en-US" sz="1200" dirty="0">
-                <a:solidFill>
-                  <a:schemeClr val="tx1">
-                    <a:lumMod val="85000"/>
-                    <a:lumOff val="15000"/>
-                  </a:schemeClr>
-                </a:solidFill>
-                <a:hlinkClick r:id="rId6">
-                  <a:extLst>
-                    <a:ext uri="{A12FA001-AC4F-418D-AE19-62706E023703}">
-                      <ahyp:hlinkClr xmlns:ahyp="http://schemas.microsoft.com/office/drawing/2018/hyperlinkcolor" val="tx"/>
-                    </a:ext>
-                  </a:extLst>
-                </a:hlinkClick>
-              </a:rPr>
-              <a:t>https://developer.mozilla.org/en-US/docs/Web/API/CanvasRenderingContext2D/drawImage</a:t>
-            </a:r>
-            <a:endParaRPr lang="en-US" sz="1200" dirty="0">
-              <a:solidFill>
-                <a:schemeClr val="tx1">
-                  <a:lumMod val="85000"/>
-                  <a:lumOff val="15000"/>
-                </a:schemeClr>
-              </a:solidFill>
-            </a:endParaRPr>
-          </a:p>
-        </p:txBody>
-      </p:sp>
-      <p:sp>
-        <p:nvSpPr>
-          <p:cNvPr id="4" name="TextBox 3">
-            <a:extLst>
-              <a:ext uri="{FF2B5EF4-FFF2-40B4-BE49-F238E27FC236}">
-                <a16:creationId xmlns:a16="http://schemas.microsoft.com/office/drawing/2014/main" id="{7A423067-08A0-4A0C-9E5B-6D1969189C0F}"/>
-              </a:ext>
-            </a:extLst>
-          </p:cNvPr>
-          <p:cNvSpPr txBox="1"/>
-          <p:nvPr/>
-        </p:nvSpPr>
-        <p:spPr>
-          <a:xfrm>
-            <a:off x="3629025" y="4031672"/>
-            <a:ext cx="2743200" cy="477054"/>
-          </a:xfrm>
-          <a:prstGeom prst="rect">
-            <a:avLst/>
-          </a:prstGeom>
-          <a:noFill/>
-        </p:spPr>
-        <p:txBody>
-          <a:bodyPr rot="0" spcFirstLastPara="0" vertOverflow="overflow" horzOverflow="overflow" vert="horz" wrap="square" lIns="91440" tIns="45720" rIns="91440" bIns="45720" numCol="1" spcCol="0" rtlCol="0" fromWordArt="0" anchor="t" anchorCtr="0" forceAA="0" compatLnSpc="1">
-            <a:prstTxWarp prst="textNoShape">
-              <a:avLst/>
-            </a:prstTxWarp>
-            <a:spAutoFit/>
-          </a:bodyPr>
-          <a:lstStyle/>
-          <a:p>
-            <a:r>
-              <a:rPr lang="en-US" sz="1100">
-                <a:solidFill>
-                  <a:schemeClr val="tx1">
-                    <a:lumMod val="85000"/>
-                    <a:lumOff val="15000"/>
-                  </a:schemeClr>
-                </a:solidFill>
-              </a:rPr>
-              <a:t>Link:</a:t>
-            </a:r>
-          </a:p>
-          <a:p>
-            <a:pPr algn="l"/>
-            <a:endParaRPr lang="en-US" dirty="0"/>
-          </a:p>
-        </p:txBody>
-      </p:sp>
-    </p:spTree>
-  </p:cSld>
-  <p:clrMapOvr>
-    <a:masterClrMapping/>
-  </p:clrMapOvr>
-</p:sld>
-</file>
-
-<file path=ppt/slides/slide7.xml><?xml version="1.0" encoding="utf-8"?>
 <p:sld xmlns:a="http://schemas.openxmlformats.org/drawingml/2006/main" xmlns:r="http://schemas.openxmlformats.org/officeDocument/2006/relationships" xmlns:p="http://schemas.openxmlformats.org/presentationml/2006/main">
   <p:cSld>
     <p:spTree>
@@ -40952,7 +41006,7 @@
 </p:sld>
 </file>
 
-<file path=ppt/slides/slide8.xml><?xml version="1.0" encoding="utf-8"?>
+<file path=ppt/slides/slide7.xml><?xml version="1.0" encoding="utf-8"?>
 <p:sld xmlns:a="http://schemas.openxmlformats.org/drawingml/2006/main" xmlns:r="http://schemas.openxmlformats.org/officeDocument/2006/relationships" xmlns:p="http://schemas.openxmlformats.org/presentationml/2006/main">
   <p:cSld>
     <p:spTree>
@@ -40999,13 +41053,12 @@
           <a:lstStyle/>
           <a:p>
             <a:r>
-              <a:rPr lang="en-GB" sz="2400">
+              <a:rPr lang="en-GB" sz="2400" dirty="0">
                 <a:latin typeface="Muli"/>
-                <a:sym typeface="Muli"/>
               </a:rPr>
-              <a:t>Realni primer gameloop-a</a:t>
-            </a:r>
-            <a:endParaRPr lang="en-US"/>
+              <a:t>Canvas coordinates</a:t>
+            </a:r>
+            <a:endParaRPr lang="en-US" dirty="0"/>
           </a:p>
         </p:txBody>
       </p:sp>
@@ -41063,12 +41116,280 @@
           </a:ln>
         </p:spPr>
       </p:pic>
+      <p:sp>
+        <p:nvSpPr>
+          <p:cNvPr id="3" name="TextBox 2">
+            <a:extLst>
+              <a:ext uri="{FF2B5EF4-FFF2-40B4-BE49-F238E27FC236}">
+                <a16:creationId xmlns:a16="http://schemas.microsoft.com/office/drawing/2014/main" id="{F6C5FE0A-0A61-4F9F-9D82-D928611DB5C8}"/>
+              </a:ext>
+            </a:extLst>
+          </p:cNvPr>
+          <p:cNvSpPr txBox="1"/>
+          <p:nvPr/>
+        </p:nvSpPr>
+        <p:spPr>
+          <a:xfrm rot="120000">
+            <a:off x="5143764" y="3197125"/>
+            <a:ext cx="2743199" cy="1384995"/>
+          </a:xfrm>
+          <a:prstGeom prst="rect">
+            <a:avLst/>
+          </a:prstGeom>
+          <a:noFill/>
+        </p:spPr>
+        <p:txBody>
+          <a:bodyPr rot="0" spcFirstLastPara="0" vertOverflow="overflow" horzOverflow="overflow" vert="horz" wrap="square" lIns="91440" tIns="45720" rIns="91440" bIns="45720" numCol="1" spcCol="0" rtlCol="0" fromWordArt="0" anchor="t" anchorCtr="0" forceAA="0" compatLnSpc="1">
+            <a:prstTxWarp prst="textNoShape">
+              <a:avLst/>
+            </a:prstTxWarp>
+            <a:spAutoFit/>
+          </a:bodyPr>
+          <a:lstStyle/>
+          <a:p>
+            <a:r>
+              <a:rPr lang="en-US" dirty="0" err="1"/>
+              <a:t>Posle</a:t>
+            </a:r>
+            <a:r>
+              <a:rPr lang="en-US" dirty="0"/>
+              <a:t> input-a </a:t>
+            </a:r>
+            <a:r>
+              <a:rPr lang="en-US" dirty="0" err="1"/>
+              <a:t>demonstrirati</a:t>
+            </a:r>
+            <a:r>
+              <a:rPr lang="en-US" dirty="0"/>
+              <a:t> flappy bird, </a:t>
+            </a:r>
+            <a:r>
+              <a:rPr lang="en-US" dirty="0" err="1"/>
+              <a:t>posle</a:t>
+            </a:r>
+            <a:r>
+              <a:rPr lang="en-US" dirty="0"/>
+              <a:t> toga </a:t>
+            </a:r>
+            <a:r>
+              <a:rPr lang="en-US" dirty="0" err="1"/>
+              <a:t>animacija</a:t>
+            </a:r>
+            <a:r>
+              <a:rPr lang="en-US" dirty="0"/>
+              <a:t> I state, </a:t>
+            </a:r>
+            <a:r>
+              <a:rPr lang="en-US" dirty="0" err="1"/>
+              <a:t>demonstracija</a:t>
+            </a:r>
+            <a:r>
+              <a:rPr lang="en-US" dirty="0"/>
+              <a:t> </a:t>
+            </a:r>
+            <a:r>
+              <a:rPr lang="en-US" dirty="0" err="1"/>
+              <a:t>viteza</a:t>
+            </a:r>
+            <a:r>
+              <a:rPr lang="en-US" dirty="0"/>
+              <a:t> :'), Frameworks, Phaser, I </a:t>
+            </a:r>
+            <a:r>
+              <a:rPr lang="en-US" dirty="0" err="1"/>
+              <a:t>demonsracija</a:t>
+            </a:r>
+            <a:r>
+              <a:rPr lang="en-US" dirty="0"/>
+              <a:t> </a:t>
+            </a:r>
+            <a:r>
+              <a:rPr lang="en-US" dirty="0" err="1"/>
+              <a:t>macke</a:t>
+            </a:r>
+            <a:r>
+              <a:rPr lang="en-US" dirty="0"/>
+              <a:t> </a:t>
+            </a:r>
+          </a:p>
+        </p:txBody>
+      </p:sp>
+      <p:sp>
+        <p:nvSpPr>
+          <p:cNvPr id="4" name="TextBox 3">
+            <a:extLst>
+              <a:ext uri="{FF2B5EF4-FFF2-40B4-BE49-F238E27FC236}">
+                <a16:creationId xmlns:a16="http://schemas.microsoft.com/office/drawing/2014/main" id="{862F0E83-1D8A-48C9-8149-C3FC7D858ED5}"/>
+              </a:ext>
+            </a:extLst>
+          </p:cNvPr>
+          <p:cNvSpPr txBox="1"/>
+          <p:nvPr/>
+        </p:nvSpPr>
+        <p:spPr>
+          <a:xfrm>
+            <a:off x="4905348" y="1511303"/>
+            <a:ext cx="3345591" cy="1169551"/>
+          </a:xfrm>
+          <a:prstGeom prst="rect">
+            <a:avLst/>
+          </a:prstGeom>
+          <a:noFill/>
+        </p:spPr>
+        <p:txBody>
+          <a:bodyPr rot="0" spcFirstLastPara="0" vertOverflow="overflow" horzOverflow="overflow" vert="horz" wrap="square" lIns="91440" tIns="45720" rIns="91440" bIns="45720" numCol="1" spcCol="0" rtlCol="0" fromWordArt="0" anchor="t" anchorCtr="0" forceAA="0" compatLnSpc="1">
+            <a:prstTxWarp prst="textNoShape">
+              <a:avLst/>
+            </a:prstTxWarp>
+            <a:spAutoFit/>
+          </a:bodyPr>
+          <a:lstStyle/>
+          <a:p>
+            <a:r>
+              <a:rPr lang="en-US" dirty="0" err="1"/>
+              <a:t>Koordinate</a:t>
+            </a:r>
+            <a:r>
+              <a:rPr lang="en-US" dirty="0"/>
+              <a:t> u </a:t>
+            </a:r>
+            <a:r>
+              <a:rPr lang="en-US" dirty="0" err="1"/>
+              <a:t>gornjem</a:t>
+            </a:r>
+            <a:r>
+              <a:rPr lang="en-US" dirty="0"/>
+              <a:t> </a:t>
+            </a:r>
+            <a:r>
+              <a:rPr lang="en-US" dirty="0" err="1"/>
+              <a:t>levom</a:t>
+            </a:r>
+            <a:r>
+              <a:rPr lang="en-US" dirty="0"/>
+              <a:t> </a:t>
+            </a:r>
+            <a:r>
+              <a:rPr lang="en-US" dirty="0" err="1"/>
+              <a:t>uglu</a:t>
+            </a:r>
+            <a:r>
+              <a:rPr lang="en-US" dirty="0"/>
+              <a:t> </a:t>
+            </a:r>
+            <a:r>
+              <a:rPr lang="en-US" dirty="0" err="1"/>
+              <a:t>su</a:t>
+            </a:r>
+            <a:r>
+              <a:rPr lang="en-US" dirty="0"/>
+              <a:t> (0,0). </a:t>
+            </a:r>
+            <a:r>
+              <a:rPr lang="en-US" dirty="0" err="1"/>
+              <a:t>Koordinate</a:t>
+            </a:r>
+            <a:r>
+              <a:rPr lang="en-US" dirty="0"/>
+              <a:t> </a:t>
+            </a:r>
+            <a:r>
+              <a:rPr lang="en-US" dirty="0" err="1"/>
+              <a:t>na</a:t>
+            </a:r>
+            <a:r>
+              <a:rPr lang="en-US" dirty="0"/>
+              <a:t> X-</a:t>
+            </a:r>
+            <a:r>
+              <a:rPr lang="en-US" dirty="0" err="1"/>
+              <a:t>osi</a:t>
+            </a:r>
+            <a:r>
+              <a:rPr lang="en-US" dirty="0"/>
+              <a:t> se </a:t>
+            </a:r>
+            <a:r>
+              <a:rPr lang="en-US" dirty="0" err="1"/>
+              <a:t>povecavaju</a:t>
+            </a:r>
+            <a:r>
+              <a:rPr lang="en-US" dirty="0"/>
+              <a:t> </a:t>
+            </a:r>
+            <a:r>
+              <a:rPr lang="en-US" dirty="0" err="1"/>
+              <a:t>sa</a:t>
+            </a:r>
+            <a:r>
+              <a:rPr lang="en-US" dirty="0"/>
+              <a:t> leva </a:t>
+            </a:r>
+            <a:r>
+              <a:rPr lang="en-US" dirty="0" err="1"/>
+              <a:t>na</a:t>
+            </a:r>
+            <a:r>
+              <a:rPr lang="en-US" dirty="0"/>
+              <a:t> </a:t>
+            </a:r>
+            <a:r>
+              <a:rPr lang="en-US" dirty="0" err="1"/>
+              <a:t>desno</a:t>
+            </a:r>
+            <a:r>
+              <a:rPr lang="en-US" dirty="0"/>
+              <a:t>, </a:t>
+            </a:r>
+            <a:r>
+              <a:rPr lang="en-US" dirty="0" err="1"/>
+              <a:t>dok</a:t>
+            </a:r>
+            <a:r>
+              <a:rPr lang="en-US" dirty="0"/>
+              <a:t> se </a:t>
+            </a:r>
+            <a:r>
+              <a:rPr lang="en-US" dirty="0" err="1"/>
+              <a:t>koordinate</a:t>
+            </a:r>
+            <a:r>
+              <a:rPr lang="en-US" dirty="0"/>
+              <a:t> </a:t>
+            </a:r>
+            <a:r>
+              <a:rPr lang="en-US" dirty="0" err="1"/>
+              <a:t>na</a:t>
+            </a:r>
+            <a:r>
+              <a:rPr lang="en-US" dirty="0"/>
+              <a:t> Y-</a:t>
+            </a:r>
+            <a:r>
+              <a:rPr lang="en-US" dirty="0" err="1"/>
+              <a:t>osi</a:t>
+            </a:r>
+            <a:r>
+              <a:rPr lang="en-US" dirty="0"/>
+              <a:t> </a:t>
+            </a:r>
+            <a:r>
+              <a:rPr lang="en-US" dirty="0" err="1"/>
+              <a:t>povecavaju</a:t>
+            </a:r>
+            <a:r>
+              <a:rPr lang="en-US" dirty="0"/>
+              <a:t> od gore ka dole.</a:t>
+            </a:r>
+          </a:p>
+        </p:txBody>
+      </p:sp>
       <p:pic>
         <p:nvPicPr>
-          <p:cNvPr id="2" name="Picture 2" descr="Text&#10;&#10;Description automatically generated">
+          <p:cNvPr id="5" name="Picture 5" descr="A picture containing diagram&#10;&#10;Description automatically generated">
             <a:extLst>
               <a:ext uri="{FF2B5EF4-FFF2-40B4-BE49-F238E27FC236}">
-                <a16:creationId xmlns:a16="http://schemas.microsoft.com/office/drawing/2014/main" id="{3601D854-0B12-44D1-AD5F-5CA70D0D5F2C}"/>
+                <a16:creationId xmlns:a16="http://schemas.microsoft.com/office/drawing/2014/main" id="{E71DF77C-C65F-4254-914B-DD517B163AB8}"/>
               </a:ext>
             </a:extLst>
           </p:cNvPr>
@@ -41085,8 +41406,8 @@
         </p:blipFill>
         <p:spPr>
           <a:xfrm>
-            <a:off x="498765" y="1006102"/>
-            <a:ext cx="4529137" cy="4014523"/>
+            <a:off x="-244046" y="939113"/>
+            <a:ext cx="5384456" cy="3581914"/>
           </a:xfrm>
           <a:prstGeom prst="rect">
             <a:avLst/>
@@ -41101,7 +41422,7 @@
 </p:sld>
 </file>
 
-<file path=ppt/slides/slide9.xml><?xml version="1.0" encoding="utf-8"?>
+<file path=ppt/slides/slide8.xml><?xml version="1.0" encoding="utf-8"?>
 <p:sld xmlns:a="http://schemas.openxmlformats.org/drawingml/2006/main" xmlns:r="http://schemas.openxmlformats.org/officeDocument/2006/relationships" xmlns:p="http://schemas.openxmlformats.org/presentationml/2006/main">
   <p:cSld>
     <p:spTree>
@@ -41147,41 +41468,13 @@
           </a:bodyPr>
           <a:lstStyle/>
           <a:p>
-            <a:pPr marL="0" marR="0" lvl="0" indent="0" algn="l" rtl="0">
-              <a:lnSpc>
-                <a:spcPct val="100000"/>
-              </a:lnSpc>
-              <a:spcBef>
-                <a:spcPts val="0"/>
-              </a:spcBef>
-              <a:spcAft>
-                <a:spcPts val="0"/>
-              </a:spcAft>
-              <a:buClr>
-                <a:schemeClr val="dk1"/>
-              </a:buClr>
-              <a:buSzPts val="2800"/>
-              <a:buFont typeface="Arial"/>
-              <a:buNone/>
-            </a:pPr>
             <a:r>
               <a:rPr lang="en-GB" sz="2400">
                 <a:latin typeface="Muli"/>
-                <a:ea typeface="Muli"/>
-                <a:cs typeface="Muli"/>
-                <a:sym typeface="Muli"/>
               </a:rPr>
-              <a:t>Feedforward proces:</a:t>
-            </a:r>
-            <a:endParaRPr sz="2400" b="0" i="0" u="none" strike="noStrike" cap="none">
-              <a:solidFill>
-                <a:schemeClr val="dk1"/>
-              </a:solidFill>
-              <a:latin typeface="Muli"/>
-              <a:ea typeface="Muli"/>
-              <a:cs typeface="Muli"/>
-              <a:sym typeface="Muli"/>
-            </a:endParaRPr>
+              <a:t>User input and player movement</a:t>
+            </a:r>
+            <a:endParaRPr lang="en-US"/>
           </a:p>
         </p:txBody>
       </p:sp>
@@ -41212,292 +41505,6 @@
           </a:ln>
         </p:spPr>
       </p:pic>
-      <p:sp>
-        <p:nvSpPr>
-          <p:cNvPr id="260" name="Google Shape;260;ge150f9a8ea_0_7"/>
-          <p:cNvSpPr txBox="1"/>
-          <p:nvPr/>
-        </p:nvSpPr>
-        <p:spPr>
-          <a:xfrm>
-            <a:off x="387900" y="1151125"/>
-            <a:ext cx="7738200" cy="2461200"/>
-          </a:xfrm>
-          <a:prstGeom prst="rect">
-            <a:avLst/>
-          </a:prstGeom>
-          <a:noFill/>
-          <a:ln>
-            <a:noFill/>
-          </a:ln>
-        </p:spPr>
-        <p:txBody>
-          <a:bodyPr spcFirstLastPara="1" wrap="square" lIns="91425" tIns="91425" rIns="91425" bIns="91425" anchor="t" anchorCtr="0">
-            <a:noAutofit/>
-          </a:bodyPr>
-          <a:lstStyle/>
-          <a:p>
-            <a:pPr marL="457200" marR="0" lvl="0" indent="-317500" algn="l" rtl="0">
-              <a:lnSpc>
-                <a:spcPct val="100000"/>
-              </a:lnSpc>
-              <a:spcBef>
-                <a:spcPts val="0"/>
-              </a:spcBef>
-              <a:spcAft>
-                <a:spcPts val="0"/>
-              </a:spcAft>
-              <a:buSzPts val="1400"/>
-              <a:buChar char="●"/>
-            </a:pPr>
-            <a:r>
-              <a:rPr lang="en-GB"/>
-              <a:t>Usmeren je na budućnost</a:t>
-            </a:r>
-            <a:endParaRPr/>
-          </a:p>
-          <a:p>
-            <a:pPr marL="457200" marR="0" lvl="0" indent="-317500" algn="l" rtl="0">
-              <a:lnSpc>
-                <a:spcPct val="100000"/>
-              </a:lnSpc>
-              <a:spcBef>
-                <a:spcPts val="0"/>
-              </a:spcBef>
-              <a:spcAft>
-                <a:spcPts val="0"/>
-              </a:spcAft>
-              <a:buSzPts val="1400"/>
-              <a:buChar char="●"/>
-            </a:pPr>
-            <a:r>
-              <a:rPr lang="en-GB"/>
-              <a:t>Ističe rešenja</a:t>
-            </a:r>
-            <a:endParaRPr/>
-          </a:p>
-          <a:p>
-            <a:pPr marL="457200" marR="0" lvl="0" indent="-317500" algn="l" rtl="0">
-              <a:lnSpc>
-                <a:spcPct val="100000"/>
-              </a:lnSpc>
-              <a:spcBef>
-                <a:spcPts val="0"/>
-              </a:spcBef>
-              <a:spcAft>
-                <a:spcPts val="0"/>
-              </a:spcAft>
-              <a:buSzPts val="1400"/>
-              <a:buChar char="●"/>
-            </a:pPr>
-            <a:r>
-              <a:rPr lang="en-GB"/>
-              <a:t>Potrebno ga je pripremiti i usmeriti samo na jednu osobu</a:t>
-            </a:r>
-            <a:endParaRPr/>
-          </a:p>
-          <a:p>
-            <a:pPr marL="457200" marR="0" lvl="0" indent="-317500" algn="l" rtl="0">
-              <a:lnSpc>
-                <a:spcPct val="100000"/>
-              </a:lnSpc>
-              <a:spcBef>
-                <a:spcPts val="0"/>
-              </a:spcBef>
-              <a:spcAft>
-                <a:spcPts val="0"/>
-              </a:spcAft>
-              <a:buSzPts val="1400"/>
-              <a:buChar char="●"/>
-            </a:pPr>
-            <a:r>
-              <a:rPr lang="en-GB"/>
-              <a:t>Praktičan je</a:t>
-            </a:r>
-            <a:endParaRPr/>
-          </a:p>
-          <a:p>
-            <a:pPr marL="457200" marR="0" lvl="0" indent="-317500" algn="l" rtl="0">
-              <a:lnSpc>
-                <a:spcPct val="100000"/>
-              </a:lnSpc>
-              <a:spcBef>
-                <a:spcPts val="0"/>
-              </a:spcBef>
-              <a:spcAft>
-                <a:spcPts val="0"/>
-              </a:spcAft>
-              <a:buSzPts val="1400"/>
-              <a:buChar char="●"/>
-            </a:pPr>
-            <a:r>
-              <a:rPr lang="en-GB"/>
-              <a:t>Pomaže osobi da pronađe rešenje</a:t>
-            </a:r>
-            <a:endParaRPr/>
-          </a:p>
-          <a:p>
-            <a:pPr marL="457200" marR="0" lvl="0" indent="-317500" algn="l" rtl="0">
-              <a:lnSpc>
-                <a:spcPct val="100000"/>
-              </a:lnSpc>
-              <a:spcBef>
-                <a:spcPts val="0"/>
-              </a:spcBef>
-              <a:spcAft>
-                <a:spcPts val="0"/>
-              </a:spcAft>
-              <a:buSzPts val="1400"/>
-              <a:buChar char="●"/>
-            </a:pPr>
-            <a:r>
-              <a:rPr lang="en-GB"/>
-              <a:t>Nudi plan akcije</a:t>
-            </a:r>
-            <a:endParaRPr/>
-          </a:p>
-          <a:p>
-            <a:pPr marL="457200" marR="0" lvl="0" indent="-317500" algn="l" rtl="0">
-              <a:lnSpc>
-                <a:spcPct val="100000"/>
-              </a:lnSpc>
-              <a:spcBef>
-                <a:spcPts val="0"/>
-              </a:spcBef>
-              <a:spcAft>
-                <a:spcPts val="0"/>
-              </a:spcAft>
-              <a:buSzPts val="1400"/>
-              <a:buChar char="●"/>
-            </a:pPr>
-            <a:r>
-              <a:rPr lang="en-GB"/>
-              <a:t>Uvek ima ton entuzijazma</a:t>
-            </a:r>
-            <a:endParaRPr/>
-          </a:p>
-          <a:p>
-            <a:pPr marL="457200" marR="0" lvl="0" indent="-317500" algn="l" rtl="0">
-              <a:lnSpc>
-                <a:spcPct val="100000"/>
-              </a:lnSpc>
-              <a:spcBef>
-                <a:spcPts val="0"/>
-              </a:spcBef>
-              <a:spcAft>
-                <a:spcPts val="0"/>
-              </a:spcAft>
-              <a:buSzPts val="1400"/>
-              <a:buChar char="●"/>
-            </a:pPr>
-            <a:r>
-              <a:rPr lang="en-GB"/>
-              <a:t>Možemo ga ukombinovati sa karijernim planovima osobe</a:t>
-            </a:r>
-            <a:endParaRPr/>
-          </a:p>
-          <a:p>
-            <a:pPr marL="457200" marR="0" lvl="0" indent="-317500" algn="l" rtl="0">
-              <a:lnSpc>
-                <a:spcPct val="100000"/>
-              </a:lnSpc>
-              <a:spcBef>
-                <a:spcPts val="0"/>
-              </a:spcBef>
-              <a:spcAft>
-                <a:spcPts val="0"/>
-              </a:spcAft>
-              <a:buSzPts val="1400"/>
-              <a:buChar char="●"/>
-            </a:pPr>
-            <a:r>
-              <a:rPr lang="en-GB"/>
-              <a:t>Možemo iskoristi coaching znanja</a:t>
-            </a:r>
-            <a:endParaRPr/>
-          </a:p>
-          <a:p>
-            <a:pPr marL="457200" marR="0" lvl="0" indent="-317500" algn="l" rtl="0">
-              <a:lnSpc>
-                <a:spcPct val="100000"/>
-              </a:lnSpc>
-              <a:spcBef>
-                <a:spcPts val="0"/>
-              </a:spcBef>
-              <a:spcAft>
-                <a:spcPts val="0"/>
-              </a:spcAft>
-              <a:buSzPts val="1400"/>
-              <a:buChar char="●"/>
-            </a:pPr>
-            <a:r>
-              <a:rPr lang="en-GB"/>
-              <a:t>Podstiče talenat</a:t>
-            </a:r>
-            <a:endParaRPr/>
-          </a:p>
-          <a:p>
-            <a:pPr marL="457200" marR="0" lvl="0" indent="-317500" algn="l" rtl="0">
-              <a:lnSpc>
-                <a:spcPct val="100000"/>
-              </a:lnSpc>
-              <a:spcBef>
-                <a:spcPts val="0"/>
-              </a:spcBef>
-              <a:spcAft>
-                <a:spcPts val="0"/>
-              </a:spcAft>
-              <a:buSzPts val="1400"/>
-              <a:buChar char="●"/>
-            </a:pPr>
-            <a:r>
-              <a:rPr lang="en-GB"/>
-              <a:t>Redefiniše grupnu dinamiku jer BILO KO, BILO KAD, BILO KOME može dati feedforward</a:t>
-            </a:r>
-            <a:endParaRPr/>
-          </a:p>
-          <a:p>
-            <a:pPr marL="0" marR="0" lvl="0" indent="0" algn="l" rtl="0">
-              <a:lnSpc>
-                <a:spcPct val="100000"/>
-              </a:lnSpc>
-              <a:spcBef>
-                <a:spcPts val="0"/>
-              </a:spcBef>
-              <a:spcAft>
-                <a:spcPts val="0"/>
-              </a:spcAft>
-              <a:buClr>
-                <a:srgbClr val="000000"/>
-              </a:buClr>
-              <a:buSzPts val="1400"/>
-              <a:buFont typeface="Arial"/>
-              <a:buNone/>
-            </a:pPr>
-            <a:endParaRPr/>
-          </a:p>
-          <a:p>
-            <a:pPr marL="0" marR="0" lvl="0" indent="0" algn="l" rtl="0">
-              <a:lnSpc>
-                <a:spcPct val="100000"/>
-              </a:lnSpc>
-              <a:spcBef>
-                <a:spcPts val="0"/>
-              </a:spcBef>
-              <a:spcAft>
-                <a:spcPts val="0"/>
-              </a:spcAft>
-              <a:buClr>
-                <a:srgbClr val="000000"/>
-              </a:buClr>
-              <a:buSzPts val="1400"/>
-              <a:buFont typeface="Arial"/>
-              <a:buNone/>
-            </a:pPr>
-            <a:endParaRPr/>
-          </a:p>
-        </p:txBody>
-      </p:sp>
       <p:pic>
         <p:nvPicPr>
           <p:cNvPr id="261" name="Google Shape;261;ge150f9a8ea_0_7"/>
@@ -41525,6 +41532,502 @@
           </a:ln>
         </p:spPr>
       </p:pic>
+      <p:pic>
+        <p:nvPicPr>
+          <p:cNvPr id="2" name="Picture 2" descr="Text&#10;&#10;Description automatically generated">
+            <a:extLst>
+              <a:ext uri="{FF2B5EF4-FFF2-40B4-BE49-F238E27FC236}">
+                <a16:creationId xmlns:a16="http://schemas.microsoft.com/office/drawing/2014/main" id="{8C08F06A-8DA9-4471-80A4-74794E7C80DD}"/>
+              </a:ext>
+            </a:extLst>
+          </p:cNvPr>
+          <p:cNvPicPr>
+            <a:picLocks noChangeAspect="1"/>
+          </p:cNvPicPr>
+          <p:nvPr/>
+        </p:nvPicPr>
+        <p:blipFill>
+          <a:blip r:embed="rId5"/>
+          <a:stretch>
+            <a:fillRect/>
+          </a:stretch>
+        </p:blipFill>
+        <p:spPr>
+          <a:xfrm>
+            <a:off x="385763" y="903026"/>
+            <a:ext cx="4693443" cy="4130404"/>
+          </a:xfrm>
+          <a:prstGeom prst="rect">
+            <a:avLst/>
+          </a:prstGeom>
+        </p:spPr>
+      </p:pic>
+      <p:sp>
+        <p:nvSpPr>
+          <p:cNvPr id="3" name="TextBox 2">
+            <a:extLst>
+              <a:ext uri="{FF2B5EF4-FFF2-40B4-BE49-F238E27FC236}">
+                <a16:creationId xmlns:a16="http://schemas.microsoft.com/office/drawing/2014/main" id="{F747E954-3F08-4DB1-AC42-B64381567294}"/>
+              </a:ext>
+            </a:extLst>
+          </p:cNvPr>
+          <p:cNvSpPr txBox="1"/>
+          <p:nvPr/>
+        </p:nvSpPr>
+        <p:spPr>
+          <a:xfrm>
+            <a:off x="5357813" y="1321594"/>
+            <a:ext cx="2743200" cy="523220"/>
+          </a:xfrm>
+          <a:prstGeom prst="rect">
+            <a:avLst/>
+          </a:prstGeom>
+          <a:noFill/>
+        </p:spPr>
+        <p:txBody>
+          <a:bodyPr rot="0" spcFirstLastPara="0" vertOverflow="overflow" horzOverflow="overflow" vert="horz" wrap="square" lIns="91440" tIns="45720" rIns="91440" bIns="45720" numCol="1" spcCol="0" rtlCol="0" fromWordArt="0" anchor="t" anchorCtr="0" forceAA="0" compatLnSpc="1">
+            <a:prstTxWarp prst="textNoShape">
+              <a:avLst/>
+            </a:prstTxWarp>
+            <a:spAutoFit/>
+          </a:bodyPr>
+          <a:lstStyle/>
+          <a:p>
+            <a:pPr algn="l"/>
+            <a:r>
+              <a:rPr lang="en-US" dirty="0">
+                <a:hlinkClick r:id="rId6"/>
+              </a:rPr>
+              <a:t>https://codepen.io/zzz11/pen/MWmeojj</a:t>
+            </a:r>
+            <a:endParaRPr lang="en-US" dirty="0"/>
+          </a:p>
+        </p:txBody>
+      </p:sp>
+      <p:sp>
+        <p:nvSpPr>
+          <p:cNvPr id="4" name="TextBox 3">
+            <a:extLst>
+              <a:ext uri="{FF2B5EF4-FFF2-40B4-BE49-F238E27FC236}">
+                <a16:creationId xmlns:a16="http://schemas.microsoft.com/office/drawing/2014/main" id="{5D1D23CE-B4C5-4EED-9183-3B46F1214DB4}"/>
+              </a:ext>
+            </a:extLst>
+          </p:cNvPr>
+          <p:cNvSpPr txBox="1"/>
+          <p:nvPr/>
+        </p:nvSpPr>
+        <p:spPr>
+          <a:xfrm>
+            <a:off x="5357813" y="1014412"/>
+            <a:ext cx="2743200" cy="307777"/>
+          </a:xfrm>
+          <a:prstGeom prst="rect">
+            <a:avLst/>
+          </a:prstGeom>
+          <a:noFill/>
+        </p:spPr>
+        <p:txBody>
+          <a:bodyPr rot="0" spcFirstLastPara="0" vertOverflow="overflow" horzOverflow="overflow" vert="horz" wrap="square" lIns="91440" tIns="45720" rIns="91440" bIns="45720" numCol="1" spcCol="0" rtlCol="0" fromWordArt="0" anchor="t" anchorCtr="0" forceAA="0" compatLnSpc="1">
+            <a:prstTxWarp prst="textNoShape">
+              <a:avLst/>
+            </a:prstTxWarp>
+            <a:spAutoFit/>
+          </a:bodyPr>
+          <a:lstStyle/>
+          <a:p>
+            <a:r>
+              <a:rPr lang="en-US"/>
+              <a:t>Osnovno kretanje - codepen:</a:t>
+            </a:r>
+          </a:p>
+        </p:txBody>
+      </p:sp>
+      <p:sp>
+        <p:nvSpPr>
+          <p:cNvPr id="5" name="TextBox 4">
+            <a:extLst>
+              <a:ext uri="{FF2B5EF4-FFF2-40B4-BE49-F238E27FC236}">
+                <a16:creationId xmlns:a16="http://schemas.microsoft.com/office/drawing/2014/main" id="{55BBC93A-B3DD-4B59-BEA3-07E3BE8D7D34}"/>
+              </a:ext>
+            </a:extLst>
+          </p:cNvPr>
+          <p:cNvSpPr txBox="1"/>
+          <p:nvPr/>
+        </p:nvSpPr>
+        <p:spPr>
+          <a:xfrm>
+            <a:off x="5357813" y="2093119"/>
+            <a:ext cx="2743200" cy="523220"/>
+          </a:xfrm>
+          <a:prstGeom prst="rect">
+            <a:avLst/>
+          </a:prstGeom>
+          <a:noFill/>
+        </p:spPr>
+        <p:txBody>
+          <a:bodyPr rot="0" spcFirstLastPara="0" vertOverflow="overflow" horzOverflow="overflow" vert="horz" wrap="square" lIns="91440" tIns="45720" rIns="91440" bIns="45720" numCol="1" spcCol="0" rtlCol="0" fromWordArt="0" anchor="t" anchorCtr="0" forceAA="0" compatLnSpc="1">
+            <a:prstTxWarp prst="textNoShape">
+              <a:avLst/>
+            </a:prstTxWarp>
+            <a:spAutoFit/>
+          </a:bodyPr>
+          <a:lstStyle/>
+          <a:p>
+            <a:r>
+              <a:rPr lang="en-US" dirty="0"/>
+              <a:t>Naprednije kretanje nezavisno </a:t>
+            </a:r>
+            <a:r>
+              <a:rPr lang="en-US"/>
+              <a:t>od input delay-a:</a:t>
+            </a:r>
+          </a:p>
+        </p:txBody>
+      </p:sp>
+      <p:sp>
+        <p:nvSpPr>
+          <p:cNvPr id="6" name="TextBox 5">
+            <a:extLst>
+              <a:ext uri="{FF2B5EF4-FFF2-40B4-BE49-F238E27FC236}">
+                <a16:creationId xmlns:a16="http://schemas.microsoft.com/office/drawing/2014/main" id="{15B7E0BB-E294-4956-9457-6F7A55F2A340}"/>
+              </a:ext>
+            </a:extLst>
+          </p:cNvPr>
+          <p:cNvSpPr txBox="1"/>
+          <p:nvPr/>
+        </p:nvSpPr>
+        <p:spPr>
+          <a:xfrm>
+            <a:off x="5357813" y="2707481"/>
+            <a:ext cx="2743200" cy="523220"/>
+          </a:xfrm>
+          <a:prstGeom prst="rect">
+            <a:avLst/>
+          </a:prstGeom>
+          <a:noFill/>
+        </p:spPr>
+        <p:txBody>
+          <a:bodyPr rot="0" spcFirstLastPara="0" vertOverflow="overflow" horzOverflow="overflow" vert="horz" wrap="square" lIns="91440" tIns="45720" rIns="91440" bIns="45720" numCol="1" spcCol="0" rtlCol="0" fromWordArt="0" anchor="t" anchorCtr="0" forceAA="0" compatLnSpc="1">
+            <a:prstTxWarp prst="textNoShape">
+              <a:avLst/>
+            </a:prstTxWarp>
+            <a:spAutoFit/>
+          </a:bodyPr>
+          <a:lstStyle/>
+          <a:p>
+            <a:pPr algn="l"/>
+            <a:r>
+              <a:rPr lang="en-US" dirty="0">
+                <a:hlinkClick r:id="rId7"/>
+              </a:rPr>
+              <a:t>https://codepen.io/zzz11/pen/QWvEgzG</a:t>
+            </a:r>
+            <a:endParaRPr lang="en-US" dirty="0"/>
+          </a:p>
+        </p:txBody>
+      </p:sp>
+      <p:sp>
+        <p:nvSpPr>
+          <p:cNvPr id="7" name="TextBox 6">
+            <a:extLst>
+              <a:ext uri="{FF2B5EF4-FFF2-40B4-BE49-F238E27FC236}">
+                <a16:creationId xmlns:a16="http://schemas.microsoft.com/office/drawing/2014/main" id="{CA82BAEC-B75A-4B7F-8D51-56AD07C39175}"/>
+              </a:ext>
+            </a:extLst>
+          </p:cNvPr>
+          <p:cNvSpPr txBox="1"/>
+          <p:nvPr/>
+        </p:nvSpPr>
+        <p:spPr>
+          <a:xfrm>
+            <a:off x="5357813" y="3386138"/>
+            <a:ext cx="2743200" cy="738664"/>
+          </a:xfrm>
+          <a:prstGeom prst="rect">
+            <a:avLst/>
+          </a:prstGeom>
+          <a:noFill/>
+        </p:spPr>
+        <p:txBody>
+          <a:bodyPr rot="0" spcFirstLastPara="0" vertOverflow="overflow" horzOverflow="overflow" vert="horz" wrap="square" lIns="91440" tIns="45720" rIns="91440" bIns="45720" numCol="1" spcCol="0" rtlCol="0" fromWordArt="0" anchor="t" anchorCtr="0" forceAA="0" compatLnSpc="1">
+            <a:prstTxWarp prst="textNoShape">
+              <a:avLst/>
+            </a:prstTxWarp>
+            <a:spAutoFit/>
+          </a:bodyPr>
+          <a:lstStyle/>
+          <a:p>
+            <a:r>
+              <a:rPr lang="en-US"/>
+              <a:t>Mini igra – Flappy Bird like: UBACI </a:t>
+            </a:r>
+            <a:r>
+              <a:rPr lang="en-US" dirty="0"/>
+              <a:t>IGRU KAO PROJEKAT I ZAMENI LINK</a:t>
+            </a:r>
+          </a:p>
+        </p:txBody>
+      </p:sp>
+      <p:sp>
+        <p:nvSpPr>
+          <p:cNvPr id="8" name="TextBox 7">
+            <a:extLst>
+              <a:ext uri="{FF2B5EF4-FFF2-40B4-BE49-F238E27FC236}">
+                <a16:creationId xmlns:a16="http://schemas.microsoft.com/office/drawing/2014/main" id="{BA2040B4-B686-451A-BFB8-850C131D85F1}"/>
+              </a:ext>
+            </a:extLst>
+          </p:cNvPr>
+          <p:cNvSpPr txBox="1"/>
+          <p:nvPr/>
+        </p:nvSpPr>
+        <p:spPr>
+          <a:xfrm>
+            <a:off x="5357813" y="3836194"/>
+            <a:ext cx="2743200" cy="523220"/>
+          </a:xfrm>
+          <a:prstGeom prst="rect">
+            <a:avLst/>
+          </a:prstGeom>
+          <a:noFill/>
+        </p:spPr>
+        <p:txBody>
+          <a:bodyPr rot="0" spcFirstLastPara="0" vertOverflow="overflow" horzOverflow="overflow" vert="horz" wrap="square" lIns="91440" tIns="45720" rIns="91440" bIns="45720" numCol="1" spcCol="0" rtlCol="0" fromWordArt="0" anchor="t" anchorCtr="0" forceAA="0" compatLnSpc="1">
+            <a:prstTxWarp prst="textNoShape">
+              <a:avLst/>
+            </a:prstTxWarp>
+            <a:spAutoFit/>
+          </a:bodyPr>
+          <a:lstStyle/>
+          <a:p>
+            <a:r>
+              <a:rPr lang="en-US" dirty="0">
+                <a:hlinkClick r:id="rId8"/>
+              </a:rPr>
+              <a:t>https://codepen.io/zzz11/pen/gOmRJEK </a:t>
+            </a:r>
+            <a:endParaRPr lang="en-US" dirty="0"/>
+          </a:p>
+        </p:txBody>
+      </p:sp>
+    </p:spTree>
+  </p:cSld>
+  <p:clrMapOvr>
+    <a:masterClrMapping/>
+  </p:clrMapOvr>
+</p:sld>
+</file>
+
+<file path=ppt/slides/slide9.xml><?xml version="1.0" encoding="utf-8"?>
+<p:sld xmlns:a="http://schemas.openxmlformats.org/drawingml/2006/main" xmlns:r="http://schemas.openxmlformats.org/officeDocument/2006/relationships" xmlns:p="http://schemas.openxmlformats.org/presentationml/2006/main">
+  <p:cSld>
+    <p:spTree>
+      <p:nvGrpSpPr>
+        <p:cNvPr id="1" name="Shape 233"/>
+        <p:cNvGrpSpPr/>
+        <p:nvPr/>
+      </p:nvGrpSpPr>
+      <p:grpSpPr>
+        <a:xfrm>
+          <a:off x="0" y="0"/>
+          <a:ext cx="0" cy="0"/>
+          <a:chOff x="0" y="0"/>
+          <a:chExt cx="0" cy="0"/>
+        </a:xfrm>
+      </p:grpSpPr>
+      <p:pic>
+        <p:nvPicPr>
+          <p:cNvPr id="235" name="Google Shape;235;ge150f9a8ea_0_14"/>
+          <p:cNvPicPr preferRelativeResize="0"/>
+          <p:nvPr/>
+        </p:nvPicPr>
+        <p:blipFill rotWithShape="1">
+          <a:blip r:embed="rId3">
+            <a:alphaModFix/>
+          </a:blip>
+          <a:srcRect/>
+          <a:stretch/>
+        </p:blipFill>
+        <p:spPr>
+          <a:xfrm rot="10800000">
+            <a:off x="6866150" y="0"/>
+            <a:ext cx="2277848" cy="2016224"/>
+          </a:xfrm>
+          <a:prstGeom prst="rect">
+            <a:avLst/>
+          </a:prstGeom>
+          <a:noFill/>
+          <a:ln>
+            <a:noFill/>
+          </a:ln>
+        </p:spPr>
+      </p:pic>
+      <p:pic>
+        <p:nvPicPr>
+          <p:cNvPr id="236" name="Google Shape;236;ge150f9a8ea_0_14"/>
+          <p:cNvPicPr preferRelativeResize="0"/>
+          <p:nvPr/>
+        </p:nvPicPr>
+        <p:blipFill rotWithShape="1">
+          <a:blip r:embed="rId4">
+            <a:alphaModFix/>
+          </a:blip>
+          <a:srcRect/>
+          <a:stretch/>
+        </p:blipFill>
+        <p:spPr>
+          <a:xfrm>
+            <a:off x="8382000" y="4629150"/>
+            <a:ext cx="592825" cy="335925"/>
+          </a:xfrm>
+          <a:prstGeom prst="rect">
+            <a:avLst/>
+          </a:prstGeom>
+          <a:noFill/>
+          <a:ln>
+            <a:noFill/>
+          </a:ln>
+        </p:spPr>
+      </p:pic>
+      <p:pic>
+        <p:nvPicPr>
+          <p:cNvPr id="2" name="Picture 2" descr="Graphical user interface, text, application, email&#10;&#10;Description automatically generated">
+            <a:extLst>
+              <a:ext uri="{FF2B5EF4-FFF2-40B4-BE49-F238E27FC236}">
+                <a16:creationId xmlns:a16="http://schemas.microsoft.com/office/drawing/2014/main" id="{7737F442-27B5-462A-9363-D102EB87C083}"/>
+              </a:ext>
+            </a:extLst>
+          </p:cNvPr>
+          <p:cNvPicPr>
+            <a:picLocks noChangeAspect="1"/>
+          </p:cNvPicPr>
+          <p:nvPr/>
+        </p:nvPicPr>
+        <p:blipFill>
+          <a:blip r:embed="rId5"/>
+          <a:stretch>
+            <a:fillRect/>
+          </a:stretch>
+        </p:blipFill>
+        <p:spPr>
+          <a:xfrm>
+            <a:off x="-2703" y="394853"/>
+            <a:ext cx="7837200" cy="4981283"/>
+          </a:xfrm>
+          <a:prstGeom prst="rect">
+            <a:avLst/>
+          </a:prstGeom>
+        </p:spPr>
+      </p:pic>
+      <p:sp>
+        <p:nvSpPr>
+          <p:cNvPr id="3" name="TextBox 2">
+            <a:extLst>
+              <a:ext uri="{FF2B5EF4-FFF2-40B4-BE49-F238E27FC236}">
+                <a16:creationId xmlns:a16="http://schemas.microsoft.com/office/drawing/2014/main" id="{DE88BC72-D544-4CEE-8BFB-7BA27F280141}"/>
+              </a:ext>
+            </a:extLst>
+          </p:cNvPr>
+          <p:cNvSpPr txBox="1"/>
+          <p:nvPr/>
+        </p:nvSpPr>
+        <p:spPr>
+          <a:xfrm>
+            <a:off x="3629026" y="4207019"/>
+            <a:ext cx="5003222" cy="461665"/>
+          </a:xfrm>
+          <a:prstGeom prst="rect">
+            <a:avLst/>
+          </a:prstGeom>
+          <a:noFill/>
+        </p:spPr>
+        <p:txBody>
+          <a:bodyPr rot="0" spcFirstLastPara="0" vertOverflow="overflow" horzOverflow="overflow" vert="horz" wrap="square" lIns="91440" tIns="45720" rIns="91440" bIns="45720" numCol="1" spcCol="0" rtlCol="0" fromWordArt="0" anchor="t" anchorCtr="0" forceAA="0" compatLnSpc="1">
+            <a:prstTxWarp prst="textNoShape">
+              <a:avLst/>
+            </a:prstTxWarp>
+            <a:spAutoFit/>
+          </a:bodyPr>
+          <a:lstStyle/>
+          <a:p>
+            <a:pPr algn="l"/>
+            <a:r>
+              <a:rPr lang="en-US" sz="1200" dirty="0">
+                <a:solidFill>
+                  <a:schemeClr val="tx1">
+                    <a:lumMod val="85000"/>
+                    <a:lumOff val="15000"/>
+                  </a:schemeClr>
+                </a:solidFill>
+                <a:hlinkClick r:id="rId6">
+                  <a:extLst>
+                    <a:ext uri="{A12FA001-AC4F-418D-AE19-62706E023703}">
+                      <ahyp:hlinkClr xmlns:ahyp="http://schemas.microsoft.com/office/drawing/2018/hyperlinkcolor" val="tx"/>
+                    </a:ext>
+                  </a:extLst>
+                </a:hlinkClick>
+              </a:rPr>
+              <a:t>https://developer.mozilla.org/en-US/docs/Web/API/CanvasRenderingContext2D/drawImage</a:t>
+            </a:r>
+            <a:endParaRPr lang="en-US" sz="1200" dirty="0">
+              <a:solidFill>
+                <a:schemeClr val="tx1">
+                  <a:lumMod val="85000"/>
+                  <a:lumOff val="15000"/>
+                </a:schemeClr>
+              </a:solidFill>
+            </a:endParaRPr>
+          </a:p>
+        </p:txBody>
+      </p:sp>
+      <p:sp>
+        <p:nvSpPr>
+          <p:cNvPr id="4" name="TextBox 3">
+            <a:extLst>
+              <a:ext uri="{FF2B5EF4-FFF2-40B4-BE49-F238E27FC236}">
+                <a16:creationId xmlns:a16="http://schemas.microsoft.com/office/drawing/2014/main" id="{7A423067-08A0-4A0C-9E5B-6D1969189C0F}"/>
+              </a:ext>
+            </a:extLst>
+          </p:cNvPr>
+          <p:cNvSpPr txBox="1"/>
+          <p:nvPr/>
+        </p:nvSpPr>
+        <p:spPr>
+          <a:xfrm>
+            <a:off x="3629025" y="4031672"/>
+            <a:ext cx="2743200" cy="477054"/>
+          </a:xfrm>
+          <a:prstGeom prst="rect">
+            <a:avLst/>
+          </a:prstGeom>
+          <a:noFill/>
+        </p:spPr>
+        <p:txBody>
+          <a:bodyPr rot="0" spcFirstLastPara="0" vertOverflow="overflow" horzOverflow="overflow" vert="horz" wrap="square" lIns="91440" tIns="45720" rIns="91440" bIns="45720" numCol="1" spcCol="0" rtlCol="0" fromWordArt="0" anchor="t" anchorCtr="0" forceAA="0" compatLnSpc="1">
+            <a:prstTxWarp prst="textNoShape">
+              <a:avLst/>
+            </a:prstTxWarp>
+            <a:spAutoFit/>
+          </a:bodyPr>
+          <a:lstStyle/>
+          <a:p>
+            <a:r>
+              <a:rPr lang="en-US" sz="1100">
+                <a:solidFill>
+                  <a:schemeClr val="tx1">
+                    <a:lumMod val="85000"/>
+                    <a:lumOff val="15000"/>
+                  </a:schemeClr>
+                </a:solidFill>
+              </a:rPr>
+              <a:t>Link:</a:t>
+            </a:r>
+          </a:p>
+          <a:p>
+            <a:pPr algn="l"/>
+            <a:endParaRPr lang="en-US" dirty="0"/>
+          </a:p>
+        </p:txBody>
+      </p:sp>
     </p:spTree>
   </p:cSld>
   <p:clrMapOvr>
